--- a/當讚美聖父.pptx
+++ b/當讚美聖父.pptx
@@ -12,7 +12,7 @@
     <p:sldId id="260" r:id="rId6"/>
     <p:sldId id="261" r:id="rId7"/>
   </p:sldIdLst>
-  <p:sldSz cx="9144000" cy="6858000" type="screen4x3"/>
+  <p:sldSz cx="12192000" cy="6858000"/>
   <p:notesSz cx="6858000" cy="9144000"/>
   <p:defaultTextStyle>
     <a:defPPr>
@@ -109,6 +109,22 @@
       </a:defRPr>
     </a:lvl9pPr>
   </p:defaultTextStyle>
+  <p:extLst>
+    <p:ext uri="{EFAFB233-063F-42B5-8137-9DF3F51BA10A}">
+      <p15:sldGuideLst xmlns:p15="http://schemas.microsoft.com/office/powerpoint/2012/main">
+        <p15:guide id="1" orient="horz" pos="2160" userDrawn="1">
+          <p15:clr>
+            <a:srgbClr val="A4A3A4"/>
+          </p15:clr>
+        </p15:guide>
+        <p15:guide id="2" pos="3840" userDrawn="1">
+          <p15:clr>
+            <a:srgbClr val="A4A3A4"/>
+          </p15:clr>
+        </p15:guide>
+      </p15:sldGuideLst>
+    </p:ext>
+  </p:extLst>
 </p:presentation>
 </file>
 
@@ -141,8 +157,8 @@
         </p:nvSpPr>
         <p:spPr>
           <a:xfrm>
-            <a:off x="685800" y="2130425"/>
-            <a:ext cx="7772400" cy="1470025"/>
+            <a:off x="914400" y="2130426"/>
+            <a:ext cx="10363200" cy="1470025"/>
           </a:xfrm>
         </p:spPr>
         <p:txBody>
@@ -169,8 +185,8 @@
         </p:nvSpPr>
         <p:spPr>
           <a:xfrm>
-            <a:off x="1371600" y="3886200"/>
-            <a:ext cx="6400800" cy="1752600"/>
+            <a:off x="1828800" y="3886200"/>
+            <a:ext cx="8534400" cy="1752600"/>
           </a:xfrm>
         </p:spPr>
         <p:txBody>
@@ -294,7 +310,7 @@
             <a:fld id="{210B1242-4DBA-42D6-8BAA-7B0595D9563C}" type="datetimeFigureOut">
               <a:rPr lang="zh-TW" altLang="en-US" smtClean="0"/>
               <a:pPr/>
-              <a:t>2018/6/16</a:t>
+              <a:t>2019/10/11</a:t>
             </a:fld>
             <a:endParaRPr lang="zh-TW" altLang="en-US"/>
           </a:p>
@@ -461,7 +477,7 @@
             <a:fld id="{210B1242-4DBA-42D6-8BAA-7B0595D9563C}" type="datetimeFigureOut">
               <a:rPr lang="zh-TW" altLang="en-US" smtClean="0"/>
               <a:pPr/>
-              <a:t>2018/6/16</a:t>
+              <a:t>2019/10/11</a:t>
             </a:fld>
             <a:endParaRPr lang="zh-TW" altLang="en-US"/>
           </a:p>
@@ -547,8 +563,8 @@
         </p:nvSpPr>
         <p:spPr>
           <a:xfrm>
-            <a:off x="6629400" y="274638"/>
-            <a:ext cx="2057400" cy="5851525"/>
+            <a:off x="8839200" y="274639"/>
+            <a:ext cx="2743200" cy="5851525"/>
           </a:xfrm>
         </p:spPr>
         <p:txBody>
@@ -575,8 +591,8 @@
         </p:nvSpPr>
         <p:spPr>
           <a:xfrm>
-            <a:off x="457200" y="274638"/>
-            <a:ext cx="6019800" cy="5851525"/>
+            <a:off x="609600" y="274639"/>
+            <a:ext cx="8026400" cy="5851525"/>
           </a:xfrm>
         </p:spPr>
         <p:txBody>
@@ -638,7 +654,7 @@
             <a:fld id="{210B1242-4DBA-42D6-8BAA-7B0595D9563C}" type="datetimeFigureOut">
               <a:rPr lang="zh-TW" altLang="en-US" smtClean="0"/>
               <a:pPr/>
-              <a:t>2018/6/16</a:t>
+              <a:t>2019/10/11</a:t>
             </a:fld>
             <a:endParaRPr lang="zh-TW" altLang="en-US"/>
           </a:p>
@@ -805,7 +821,7 @@
             <a:fld id="{210B1242-4DBA-42D6-8BAA-7B0595D9563C}" type="datetimeFigureOut">
               <a:rPr lang="zh-TW" altLang="en-US" smtClean="0"/>
               <a:pPr/>
-              <a:t>2018/6/16</a:t>
+              <a:t>2019/10/11</a:t>
             </a:fld>
             <a:endParaRPr lang="zh-TW" altLang="en-US"/>
           </a:p>
@@ -891,8 +907,8 @@
         </p:nvSpPr>
         <p:spPr>
           <a:xfrm>
-            <a:off x="722313" y="4406900"/>
-            <a:ext cx="7772400" cy="1362075"/>
+            <a:off x="963084" y="4406901"/>
+            <a:ext cx="10363200" cy="1362075"/>
           </a:xfrm>
         </p:spPr>
         <p:txBody>
@@ -923,8 +939,8 @@
         </p:nvSpPr>
         <p:spPr>
           <a:xfrm>
-            <a:off x="722313" y="2906713"/>
-            <a:ext cx="7772400" cy="1500187"/>
+            <a:off x="963084" y="2906713"/>
+            <a:ext cx="10363200" cy="1500187"/>
           </a:xfrm>
         </p:spPr>
         <p:txBody>
@@ -1048,7 +1064,7 @@
             <a:fld id="{210B1242-4DBA-42D6-8BAA-7B0595D9563C}" type="datetimeFigureOut">
               <a:rPr lang="zh-TW" altLang="en-US" smtClean="0"/>
               <a:pPr/>
-              <a:t>2018/6/16</a:t>
+              <a:t>2019/10/11</a:t>
             </a:fld>
             <a:endParaRPr lang="zh-TW" altLang="en-US"/>
           </a:p>
@@ -1157,8 +1173,8 @@
         </p:nvSpPr>
         <p:spPr>
           <a:xfrm>
-            <a:off x="457200" y="1600200"/>
-            <a:ext cx="4038600" cy="4525963"/>
+            <a:off x="609600" y="1600201"/>
+            <a:ext cx="5384800" cy="4525963"/>
           </a:xfrm>
         </p:spPr>
         <p:txBody>
@@ -1242,8 +1258,8 @@
         </p:nvSpPr>
         <p:spPr>
           <a:xfrm>
-            <a:off x="4648200" y="1600200"/>
-            <a:ext cx="4038600" cy="4525963"/>
+            <a:off x="6197600" y="1600201"/>
+            <a:ext cx="5384800" cy="4525963"/>
           </a:xfrm>
         </p:spPr>
         <p:txBody>
@@ -1333,7 +1349,7 @@
             <a:fld id="{210B1242-4DBA-42D6-8BAA-7B0595D9563C}" type="datetimeFigureOut">
               <a:rPr lang="zh-TW" altLang="en-US" smtClean="0"/>
               <a:pPr/>
-              <a:t>2018/6/16</a:t>
+              <a:t>2019/10/11</a:t>
             </a:fld>
             <a:endParaRPr lang="zh-TW" altLang="en-US"/>
           </a:p>
@@ -1446,8 +1462,8 @@
         </p:nvSpPr>
         <p:spPr>
           <a:xfrm>
-            <a:off x="457200" y="1535113"/>
-            <a:ext cx="4040188" cy="639762"/>
+            <a:off x="609600" y="1535113"/>
+            <a:ext cx="5386917" cy="639762"/>
           </a:xfrm>
         </p:spPr>
         <p:txBody>
@@ -1511,8 +1527,8 @@
         </p:nvSpPr>
         <p:spPr>
           <a:xfrm>
-            <a:off x="457200" y="2174875"/>
-            <a:ext cx="4040188" cy="3951288"/>
+            <a:off x="609600" y="2174875"/>
+            <a:ext cx="5386917" cy="3951288"/>
           </a:xfrm>
         </p:spPr>
         <p:txBody>
@@ -1596,8 +1612,8 @@
         </p:nvSpPr>
         <p:spPr>
           <a:xfrm>
-            <a:off x="4645025" y="1535113"/>
-            <a:ext cx="4041775" cy="639762"/>
+            <a:off x="6193368" y="1535113"/>
+            <a:ext cx="5389033" cy="639762"/>
           </a:xfrm>
         </p:spPr>
         <p:txBody>
@@ -1661,8 +1677,8 @@
         </p:nvSpPr>
         <p:spPr>
           <a:xfrm>
-            <a:off x="4645025" y="2174875"/>
-            <a:ext cx="4041775" cy="3951288"/>
+            <a:off x="6193368" y="2174875"/>
+            <a:ext cx="5389033" cy="3951288"/>
           </a:xfrm>
         </p:spPr>
         <p:txBody>
@@ -1752,7 +1768,7 @@
             <a:fld id="{210B1242-4DBA-42D6-8BAA-7B0595D9563C}" type="datetimeFigureOut">
               <a:rPr lang="zh-TW" altLang="en-US" smtClean="0"/>
               <a:pPr/>
-              <a:t>2018/6/16</a:t>
+              <a:t>2019/10/11</a:t>
             </a:fld>
             <a:endParaRPr lang="zh-TW" altLang="en-US"/>
           </a:p>
@@ -1867,7 +1883,7 @@
             <a:fld id="{210B1242-4DBA-42D6-8BAA-7B0595D9563C}" type="datetimeFigureOut">
               <a:rPr lang="zh-TW" altLang="en-US" smtClean="0"/>
               <a:pPr/>
-              <a:t>2018/6/16</a:t>
+              <a:t>2019/10/11</a:t>
             </a:fld>
             <a:endParaRPr lang="zh-TW" altLang="en-US"/>
           </a:p>
@@ -1959,7 +1975,7 @@
             <a:fld id="{210B1242-4DBA-42D6-8BAA-7B0595D9563C}" type="datetimeFigureOut">
               <a:rPr lang="zh-TW" altLang="en-US" smtClean="0"/>
               <a:pPr/>
-              <a:t>2018/6/16</a:t>
+              <a:t>2019/10/11</a:t>
             </a:fld>
             <a:endParaRPr lang="zh-TW" altLang="en-US"/>
           </a:p>
@@ -2045,8 +2061,8 @@
         </p:nvSpPr>
         <p:spPr>
           <a:xfrm>
-            <a:off x="457200" y="273050"/>
-            <a:ext cx="3008313" cy="1162050"/>
+            <a:off x="609601" y="273050"/>
+            <a:ext cx="4011084" cy="1162050"/>
           </a:xfrm>
         </p:spPr>
         <p:txBody>
@@ -2077,8 +2093,8 @@
         </p:nvSpPr>
         <p:spPr>
           <a:xfrm>
-            <a:off x="3575050" y="273050"/>
-            <a:ext cx="5111750" cy="5853113"/>
+            <a:off x="4766733" y="273051"/>
+            <a:ext cx="6815667" cy="5853113"/>
           </a:xfrm>
         </p:spPr>
         <p:txBody>
@@ -2162,8 +2178,8 @@
         </p:nvSpPr>
         <p:spPr>
           <a:xfrm>
-            <a:off x="457200" y="1435100"/>
-            <a:ext cx="3008313" cy="4691063"/>
+            <a:off x="609601" y="1435101"/>
+            <a:ext cx="4011084" cy="4691063"/>
           </a:xfrm>
         </p:spPr>
         <p:txBody>
@@ -2233,7 +2249,7 @@
             <a:fld id="{210B1242-4DBA-42D6-8BAA-7B0595D9563C}" type="datetimeFigureOut">
               <a:rPr lang="zh-TW" altLang="en-US" smtClean="0"/>
               <a:pPr/>
-              <a:t>2018/6/16</a:t>
+              <a:t>2019/10/11</a:t>
             </a:fld>
             <a:endParaRPr lang="zh-TW" altLang="en-US"/>
           </a:p>
@@ -2319,8 +2335,8 @@
         </p:nvSpPr>
         <p:spPr>
           <a:xfrm>
-            <a:off x="1792288" y="4800600"/>
-            <a:ext cx="5486400" cy="566738"/>
+            <a:off x="2389717" y="4800600"/>
+            <a:ext cx="7315200" cy="566738"/>
           </a:xfrm>
         </p:spPr>
         <p:txBody>
@@ -2351,8 +2367,8 @@
         </p:nvSpPr>
         <p:spPr>
           <a:xfrm>
-            <a:off x="1792288" y="612775"/>
-            <a:ext cx="5486400" cy="4114800"/>
+            <a:off x="2389717" y="612775"/>
+            <a:ext cx="7315200" cy="4114800"/>
           </a:xfrm>
         </p:spPr>
         <p:txBody>
@@ -2416,8 +2432,8 @@
         </p:nvSpPr>
         <p:spPr>
           <a:xfrm>
-            <a:off x="1792288" y="5367338"/>
-            <a:ext cx="5486400" cy="804862"/>
+            <a:off x="2389717" y="5367338"/>
+            <a:ext cx="7315200" cy="804862"/>
           </a:xfrm>
         </p:spPr>
         <p:txBody>
@@ -2487,7 +2503,7 @@
             <a:fld id="{210B1242-4DBA-42D6-8BAA-7B0595D9563C}" type="datetimeFigureOut">
               <a:rPr lang="zh-TW" altLang="en-US" smtClean="0"/>
               <a:pPr/>
-              <a:t>2018/6/16</a:t>
+              <a:t>2019/10/11</a:t>
             </a:fld>
             <a:endParaRPr lang="zh-TW" altLang="en-US"/>
           </a:p>
@@ -2583,8 +2599,8 @@
         </p:nvSpPr>
         <p:spPr>
           <a:xfrm>
-            <a:off x="457200" y="274638"/>
-            <a:ext cx="8229600" cy="1143000"/>
+            <a:off x="609600" y="274638"/>
+            <a:ext cx="10972800" cy="1143000"/>
           </a:xfrm>
           <a:prstGeom prst="rect">
             <a:avLst/>
@@ -2616,8 +2632,8 @@
         </p:nvSpPr>
         <p:spPr>
           <a:xfrm>
-            <a:off x="457200" y="1600200"/>
-            <a:ext cx="8229600" cy="4525963"/>
+            <a:off x="609600" y="1600201"/>
+            <a:ext cx="10972800" cy="4525963"/>
           </a:xfrm>
           <a:prstGeom prst="rect">
             <a:avLst/>
@@ -2678,8 +2694,8 @@
         </p:nvSpPr>
         <p:spPr>
           <a:xfrm>
-            <a:off x="457200" y="6356350"/>
-            <a:ext cx="2133600" cy="365125"/>
+            <a:off x="609600" y="6356351"/>
+            <a:ext cx="2844800" cy="365125"/>
           </a:xfrm>
           <a:prstGeom prst="rect">
             <a:avLst/>
@@ -2702,7 +2718,7 @@
             <a:fld id="{210B1242-4DBA-42D6-8BAA-7B0595D9563C}" type="datetimeFigureOut">
               <a:rPr lang="zh-TW" altLang="en-US" smtClean="0"/>
               <a:pPr/>
-              <a:t>2018/6/16</a:t>
+              <a:t>2019/10/11</a:t>
             </a:fld>
             <a:endParaRPr lang="zh-TW" altLang="en-US"/>
           </a:p>
@@ -2720,8 +2736,8 @@
         </p:nvSpPr>
         <p:spPr>
           <a:xfrm>
-            <a:off x="3124200" y="6356350"/>
-            <a:ext cx="2895600" cy="365125"/>
+            <a:off x="4165600" y="6356351"/>
+            <a:ext cx="3860800" cy="365125"/>
           </a:xfrm>
           <a:prstGeom prst="rect">
             <a:avLst/>
@@ -2757,8 +2773,8 @@
         </p:nvSpPr>
         <p:spPr>
           <a:xfrm>
-            <a:off x="6553200" y="6356350"/>
-            <a:ext cx="2133600" cy="365125"/>
+            <a:off x="8737600" y="6356351"/>
+            <a:ext cx="2844800" cy="365125"/>
           </a:xfrm>
           <a:prstGeom prst="rect">
             <a:avLst/>
@@ -3120,7 +3136,12 @@
             <p:ph idx="1"/>
           </p:nvPr>
         </p:nvSpPr>
-        <p:spPr/>
+        <p:spPr>
+          <a:xfrm>
+            <a:off x="609600" y="1600201"/>
+            <a:ext cx="10972800" cy="5257799"/>
+          </a:xfrm>
+        </p:spPr>
         <p:txBody>
           <a:bodyPr>
             <a:noAutofit/>
@@ -3141,7 +3162,7 @@
               <a:t>當讚美</a:t>
             </a:r>
             <a:r>
-              <a:rPr lang="zh-TW" altLang="en-US" sz="5400" b="1" dirty="0" smtClean="0">
+              <a:rPr lang="zh-TW" altLang="en-US" sz="5400" b="1" dirty="0">
                 <a:solidFill>
                   <a:srgbClr val="660033"/>
                 </a:solidFill>
@@ -3150,7 +3171,7 @@
               </a:rPr>
               <a:t>聖父</a:t>
             </a:r>
-            <a:endParaRPr lang="en-US" altLang="zh-TW" sz="5400" b="1" dirty="0" smtClean="0">
+            <a:endParaRPr lang="en-US" altLang="zh-TW" sz="5400" b="1" dirty="0">
               <a:solidFill>
                 <a:srgbClr val="660033"/>
               </a:solidFill>
@@ -3163,7 +3184,7 @@
               <a:buNone/>
             </a:pPr>
             <a:r>
-              <a:rPr lang="zh-TW" altLang="en-US" sz="5400" b="1" dirty="0" smtClean="0">
+              <a:rPr lang="zh-TW" altLang="en-US" sz="5400" b="1" dirty="0">
                 <a:solidFill>
                   <a:srgbClr val="660033"/>
                 </a:solidFill>
@@ -3183,7 +3204,7 @@
               <a:t>每顆心向祂</a:t>
             </a:r>
             <a:r>
-              <a:rPr lang="zh-TW" altLang="en-US" sz="5400" b="1" dirty="0" smtClean="0">
+              <a:rPr lang="zh-TW" altLang="en-US" sz="5400" b="1" dirty="0">
                 <a:solidFill>
                   <a:srgbClr val="660033"/>
                 </a:solidFill>
@@ -3192,7 +3213,7 @@
               </a:rPr>
               <a:t>謝恩</a:t>
             </a:r>
-            <a:endParaRPr lang="en-US" altLang="zh-TW" sz="5400" b="1" dirty="0" smtClean="0">
+            <a:endParaRPr lang="en-US" altLang="zh-TW" sz="5400" b="1" dirty="0">
               <a:solidFill>
                 <a:srgbClr val="660033"/>
               </a:solidFill>
@@ -3205,7 +3226,7 @@
               <a:buNone/>
             </a:pPr>
             <a:r>
-              <a:rPr lang="zh-TW" altLang="en-US" sz="5400" b="1" dirty="0" smtClean="0">
+              <a:rPr lang="zh-TW" altLang="en-US" sz="5400" b="1" dirty="0">
                 <a:solidFill>
                   <a:srgbClr val="660033"/>
                 </a:solidFill>
@@ -3225,7 +3246,7 @@
               <a:t>讚美</a:t>
             </a:r>
             <a:r>
-              <a:rPr lang="zh-TW" altLang="en-US" sz="5400" b="1" dirty="0" smtClean="0">
+              <a:rPr lang="zh-TW" altLang="en-US" sz="5400" b="1" dirty="0">
                 <a:solidFill>
                   <a:srgbClr val="660033"/>
                 </a:solidFill>
@@ -3234,7 +3255,7 @@
               </a:rPr>
               <a:t>聖父</a:t>
             </a:r>
-            <a:endParaRPr lang="en-US" altLang="zh-TW" sz="5400" b="1" dirty="0" smtClean="0">
+            <a:endParaRPr lang="en-US" altLang="zh-TW" sz="5400" b="1" dirty="0">
               <a:solidFill>
                 <a:srgbClr val="660033"/>
               </a:solidFill>
@@ -3247,7 +3268,7 @@
               <a:buNone/>
             </a:pPr>
             <a:r>
-              <a:rPr lang="zh-TW" altLang="en-US" sz="5400" b="1" dirty="0" smtClean="0">
+              <a:rPr lang="zh-TW" altLang="en-US" sz="5400" b="1" dirty="0">
                 <a:solidFill>
                   <a:srgbClr val="660033"/>
                 </a:solidFill>
@@ -3267,7 +3288,7 @@
               <a:t>祂永遠憐憫與慈</a:t>
             </a:r>
             <a:r>
-              <a:rPr lang="zh-TW" altLang="en-US" sz="5400" b="1" dirty="0" smtClean="0">
+              <a:rPr lang="zh-TW" altLang="en-US" sz="5400" b="1" dirty="0">
                 <a:solidFill>
                   <a:srgbClr val="660033"/>
                 </a:solidFill>
@@ -3379,7 +3400,7 @@
               <a:t>當讚美</a:t>
             </a:r>
             <a:r>
-              <a:rPr lang="zh-TW" altLang="en-US" sz="5400" b="1" dirty="0" smtClean="0">
+              <a:rPr lang="zh-TW" altLang="en-US" sz="5400" b="1" dirty="0">
                 <a:solidFill>
                   <a:srgbClr val="660033"/>
                 </a:solidFill>
@@ -3387,48 +3408,6 @@
                 <a:ea typeface="微軟正黑體" pitchFamily="34" charset="-120"/>
               </a:rPr>
               <a:t>聖父</a:t>
-            </a:r>
-            <a:endParaRPr lang="en-US" altLang="zh-TW" sz="5400" b="1" dirty="0" smtClean="0">
-              <a:solidFill>
-                <a:srgbClr val="660033"/>
-              </a:solidFill>
-              <a:latin typeface="微軟正黑體" pitchFamily="34" charset="-120"/>
-              <a:ea typeface="微軟正黑體" pitchFamily="34" charset="-120"/>
-            </a:endParaRPr>
-          </a:p>
-          <a:p>
-            <a:pPr algn="ctr">
-              <a:buNone/>
-            </a:pPr>
-            <a:r>
-              <a:rPr lang="zh-TW" altLang="en-US" sz="5400" b="1" dirty="0" smtClean="0">
-                <a:solidFill>
-                  <a:srgbClr val="660033"/>
-                </a:solidFill>
-                <a:latin typeface="微軟正黑體" pitchFamily="34" charset="-120"/>
-                <a:ea typeface="微軟正黑體" pitchFamily="34" charset="-120"/>
-              </a:rPr>
-              <a:t>麻雀</a:t>
-            </a:r>
-            <a:r>
-              <a:rPr lang="zh-TW" altLang="en-US" sz="5400" b="1" dirty="0">
-                <a:solidFill>
-                  <a:srgbClr val="660033"/>
-                </a:solidFill>
-                <a:latin typeface="微軟正黑體" pitchFamily="34" charset="-120"/>
-                <a:ea typeface="微軟正黑體" pitchFamily="34" charset="-120"/>
-              </a:rPr>
-              <a:t>跌下祂也</a:t>
-            </a:r>
-            <a:r>
-              <a:rPr lang="zh-TW" altLang="en-US" sz="5400" b="1" dirty="0" smtClean="0">
-                <a:solidFill>
-                  <a:srgbClr val="660033"/>
-                </a:solidFill>
-                <a:latin typeface="微軟正黑體" pitchFamily="34" charset="-120"/>
-                <a:ea typeface="微軟正黑體" pitchFamily="34" charset="-120"/>
-              </a:rPr>
-              <a:t>顧念</a:t>
             </a:r>
             <a:endParaRPr lang="en-US" altLang="zh-TW" sz="5400" b="1" dirty="0">
               <a:solidFill>
@@ -3443,36 +3422,36 @@
               <a:buNone/>
             </a:pPr>
             <a:r>
-              <a:rPr lang="zh-TW" altLang="en-US" sz="5400" b="1" dirty="0" smtClean="0">
-                <a:solidFill>
-                  <a:srgbClr val="660033"/>
-                </a:solidFill>
-                <a:latin typeface="微軟正黑體" pitchFamily="34" charset="-120"/>
-                <a:ea typeface="微軟正黑體" pitchFamily="34" charset="-120"/>
-              </a:rPr>
-              <a:t>榮耀</a:t>
-            </a:r>
-            <a:r>
-              <a:rPr lang="zh-TW" altLang="en-US" sz="5400" b="1" dirty="0">
-                <a:solidFill>
-                  <a:srgbClr val="660033"/>
-                </a:solidFill>
-                <a:latin typeface="微軟正黑體" pitchFamily="34" charset="-120"/>
-                <a:ea typeface="微軟正黑體" pitchFamily="34" charset="-120"/>
-              </a:rPr>
-              <a:t>的王</a:t>
-            </a:r>
-            <a:r>
-              <a:rPr lang="zh-TW" altLang="en-US" sz="5400" b="1" dirty="0" smtClean="0">
-                <a:solidFill>
-                  <a:srgbClr val="660033"/>
-                </a:solidFill>
-                <a:latin typeface="微軟正黑體" pitchFamily="34" charset="-120"/>
-                <a:ea typeface="微軟正黑體" pitchFamily="34" charset="-120"/>
-              </a:rPr>
-              <a:t>啊</a:t>
-            </a:r>
-            <a:endParaRPr lang="en-US" altLang="zh-TW" sz="5400" b="1" dirty="0" smtClean="0">
+              <a:rPr lang="zh-TW" altLang="en-US" sz="5400" b="1" dirty="0">
+                <a:solidFill>
+                  <a:srgbClr val="660033"/>
+                </a:solidFill>
+                <a:latin typeface="微軟正黑體" pitchFamily="34" charset="-120"/>
+                <a:ea typeface="微軟正黑體" pitchFamily="34" charset="-120"/>
+              </a:rPr>
+              <a:t>麻雀</a:t>
+            </a:r>
+            <a:r>
+              <a:rPr lang="zh-TW" altLang="en-US" sz="5400" b="1" dirty="0">
+                <a:solidFill>
+                  <a:srgbClr val="660033"/>
+                </a:solidFill>
+                <a:latin typeface="微軟正黑體" pitchFamily="34" charset="-120"/>
+                <a:ea typeface="微軟正黑體" pitchFamily="34" charset="-120"/>
+              </a:rPr>
+              <a:t>跌下祂也</a:t>
+            </a:r>
+            <a:r>
+              <a:rPr lang="zh-TW" altLang="en-US" sz="5400" b="1" dirty="0">
+                <a:solidFill>
+                  <a:srgbClr val="660033"/>
+                </a:solidFill>
+                <a:latin typeface="微軟正黑體" pitchFamily="34" charset="-120"/>
+                <a:ea typeface="微軟正黑體" pitchFamily="34" charset="-120"/>
+              </a:rPr>
+              <a:t>顧念</a:t>
+            </a:r>
+            <a:endParaRPr lang="en-US" altLang="zh-TW" sz="5400" b="1" dirty="0">
               <a:solidFill>
                 <a:srgbClr val="660033"/>
               </a:solidFill>
@@ -3485,7 +3464,49 @@
               <a:buNone/>
             </a:pPr>
             <a:r>
-              <a:rPr lang="zh-TW" altLang="en-US" sz="5400" b="1" dirty="0" smtClean="0">
+              <a:rPr lang="zh-TW" altLang="en-US" sz="5400" b="1" dirty="0">
+                <a:solidFill>
+                  <a:srgbClr val="660033"/>
+                </a:solidFill>
+                <a:latin typeface="微軟正黑體" pitchFamily="34" charset="-120"/>
+                <a:ea typeface="微軟正黑體" pitchFamily="34" charset="-120"/>
+              </a:rPr>
+              <a:t>榮耀</a:t>
+            </a:r>
+            <a:r>
+              <a:rPr lang="zh-TW" altLang="en-US" sz="5400" b="1" dirty="0">
+                <a:solidFill>
+                  <a:srgbClr val="660033"/>
+                </a:solidFill>
+                <a:latin typeface="微軟正黑體" pitchFamily="34" charset="-120"/>
+                <a:ea typeface="微軟正黑體" pitchFamily="34" charset="-120"/>
+              </a:rPr>
+              <a:t>的王</a:t>
+            </a:r>
+            <a:r>
+              <a:rPr lang="zh-TW" altLang="en-US" sz="5400" b="1" dirty="0">
+                <a:solidFill>
+                  <a:srgbClr val="660033"/>
+                </a:solidFill>
+                <a:latin typeface="微軟正黑體" pitchFamily="34" charset="-120"/>
+                <a:ea typeface="微軟正黑體" pitchFamily="34" charset="-120"/>
+              </a:rPr>
+              <a:t>啊</a:t>
+            </a:r>
+            <a:endParaRPr lang="en-US" altLang="zh-TW" sz="5400" b="1" dirty="0">
+              <a:solidFill>
+                <a:srgbClr val="660033"/>
+              </a:solidFill>
+              <a:latin typeface="微軟正黑體" pitchFamily="34" charset="-120"/>
+              <a:ea typeface="微軟正黑體" pitchFamily="34" charset="-120"/>
+            </a:endParaRPr>
+          </a:p>
+          <a:p>
+            <a:pPr algn="ctr">
+              <a:buNone/>
+            </a:pPr>
+            <a:r>
+              <a:rPr lang="zh-TW" altLang="en-US" sz="5400" b="1" dirty="0">
                 <a:solidFill>
                   <a:srgbClr val="660033"/>
                 </a:solidFill>
@@ -3600,7 +3621,7 @@
               <a:t>要頌讚</a:t>
             </a:r>
             <a:r>
-              <a:rPr lang="zh-TW" altLang="en-US" sz="5400" b="1" dirty="0" smtClean="0">
+              <a:rPr lang="zh-TW" altLang="en-US" sz="5400" b="1" dirty="0">
                 <a:solidFill>
                   <a:srgbClr val="660033"/>
                 </a:solidFill>
@@ -3608,48 +3629,6 @@
                 <a:ea typeface="微軟正黑體" pitchFamily="34" charset="-120"/>
               </a:rPr>
               <a:t>主</a:t>
-            </a:r>
-            <a:endParaRPr lang="en-US" altLang="zh-TW" sz="5400" b="1" dirty="0" smtClean="0">
-              <a:solidFill>
-                <a:srgbClr val="660033"/>
-              </a:solidFill>
-              <a:latin typeface="微軟正黑體" pitchFamily="34" charset="-120"/>
-              <a:ea typeface="微軟正黑體" pitchFamily="34" charset="-120"/>
-            </a:endParaRPr>
-          </a:p>
-          <a:p>
-            <a:pPr algn="ctr">
-              <a:buNone/>
-            </a:pPr>
-            <a:r>
-              <a:rPr lang="zh-TW" altLang="en-US" sz="5400" b="1" dirty="0" smtClean="0">
-                <a:solidFill>
-                  <a:srgbClr val="660033"/>
-                </a:solidFill>
-                <a:latin typeface="微軟正黑體" pitchFamily="34" charset="-120"/>
-                <a:ea typeface="微軟正黑體" pitchFamily="34" charset="-120"/>
-              </a:rPr>
-              <a:t>同聲</a:t>
-            </a:r>
-            <a:r>
-              <a:rPr lang="zh-TW" altLang="en-US" sz="5400" b="1" dirty="0">
-                <a:solidFill>
-                  <a:srgbClr val="660033"/>
-                </a:solidFill>
-                <a:latin typeface="微軟正黑體" pitchFamily="34" charset="-120"/>
-                <a:ea typeface="微軟正黑體" pitchFamily="34" charset="-120"/>
-              </a:rPr>
-              <a:t>傳揚祂</a:t>
-            </a:r>
-            <a:r>
-              <a:rPr lang="zh-TW" altLang="en-US" sz="5400" b="1" dirty="0" smtClean="0">
-                <a:solidFill>
-                  <a:srgbClr val="660033"/>
-                </a:solidFill>
-                <a:latin typeface="微軟正黑體" pitchFamily="34" charset="-120"/>
-                <a:ea typeface="微軟正黑體" pitchFamily="34" charset="-120"/>
-              </a:rPr>
-              <a:t>權能</a:t>
             </a:r>
             <a:endParaRPr lang="en-US" altLang="zh-TW" sz="5400" b="1" dirty="0">
               <a:solidFill>
@@ -3664,36 +3643,36 @@
               <a:buNone/>
             </a:pPr>
             <a:r>
-              <a:rPr lang="zh-TW" altLang="en-US" sz="5400" b="1" dirty="0" smtClean="0">
-                <a:solidFill>
-                  <a:srgbClr val="660033"/>
-                </a:solidFill>
-                <a:latin typeface="微軟正黑體" pitchFamily="34" charset="-120"/>
-                <a:ea typeface="微軟正黑體" pitchFamily="34" charset="-120"/>
-              </a:rPr>
-              <a:t>祂</a:t>
-            </a:r>
-            <a:r>
-              <a:rPr lang="zh-TW" altLang="en-US" sz="5400" b="1" dirty="0">
-                <a:solidFill>
-                  <a:srgbClr val="660033"/>
-                </a:solidFill>
-                <a:latin typeface="微軟正黑體" pitchFamily="34" charset="-120"/>
-                <a:ea typeface="微軟正黑體" pitchFamily="34" charset="-120"/>
-              </a:rPr>
-              <a:t>帶喜樂給</a:t>
-            </a:r>
-            <a:r>
-              <a:rPr lang="zh-TW" altLang="en-US" sz="5400" b="1" dirty="0" smtClean="0">
-                <a:solidFill>
-                  <a:srgbClr val="660033"/>
-                </a:solidFill>
-                <a:latin typeface="微軟正黑體" pitchFamily="34" charset="-120"/>
-                <a:ea typeface="微軟正黑體" pitchFamily="34" charset="-120"/>
-              </a:rPr>
-              <a:t>世人</a:t>
-            </a:r>
-            <a:endParaRPr lang="en-US" altLang="zh-TW" sz="5400" b="1" dirty="0" smtClean="0">
+              <a:rPr lang="zh-TW" altLang="en-US" sz="5400" b="1" dirty="0">
+                <a:solidFill>
+                  <a:srgbClr val="660033"/>
+                </a:solidFill>
+                <a:latin typeface="微軟正黑體" pitchFamily="34" charset="-120"/>
+                <a:ea typeface="微軟正黑體" pitchFamily="34" charset="-120"/>
+              </a:rPr>
+              <a:t>同聲</a:t>
+            </a:r>
+            <a:r>
+              <a:rPr lang="zh-TW" altLang="en-US" sz="5400" b="1" dirty="0">
+                <a:solidFill>
+                  <a:srgbClr val="660033"/>
+                </a:solidFill>
+                <a:latin typeface="微軟正黑體" pitchFamily="34" charset="-120"/>
+                <a:ea typeface="微軟正黑體" pitchFamily="34" charset="-120"/>
+              </a:rPr>
+              <a:t>傳揚祂</a:t>
+            </a:r>
+            <a:r>
+              <a:rPr lang="zh-TW" altLang="en-US" sz="5400" b="1" dirty="0">
+                <a:solidFill>
+                  <a:srgbClr val="660033"/>
+                </a:solidFill>
+                <a:latin typeface="微軟正黑體" pitchFamily="34" charset="-120"/>
+                <a:ea typeface="微軟正黑體" pitchFamily="34" charset="-120"/>
+              </a:rPr>
+              <a:t>權能</a:t>
+            </a:r>
+            <a:endParaRPr lang="en-US" altLang="zh-TW" sz="5400" b="1" dirty="0">
               <a:solidFill>
                 <a:srgbClr val="660033"/>
               </a:solidFill>
@@ -3706,7 +3685,49 @@
               <a:buNone/>
             </a:pPr>
             <a:r>
-              <a:rPr lang="zh-TW" altLang="en-US" sz="5400" b="1" dirty="0" smtClean="0">
+              <a:rPr lang="zh-TW" altLang="en-US" sz="5400" b="1" dirty="0">
+                <a:solidFill>
+                  <a:srgbClr val="660033"/>
+                </a:solidFill>
+                <a:latin typeface="微軟正黑體" pitchFamily="34" charset="-120"/>
+                <a:ea typeface="微軟正黑體" pitchFamily="34" charset="-120"/>
+              </a:rPr>
+              <a:t>祂</a:t>
+            </a:r>
+            <a:r>
+              <a:rPr lang="zh-TW" altLang="en-US" sz="5400" b="1" dirty="0">
+                <a:solidFill>
+                  <a:srgbClr val="660033"/>
+                </a:solidFill>
+                <a:latin typeface="微軟正黑體" pitchFamily="34" charset="-120"/>
+                <a:ea typeface="微軟正黑體" pitchFamily="34" charset="-120"/>
+              </a:rPr>
+              <a:t>帶喜樂給</a:t>
+            </a:r>
+            <a:r>
+              <a:rPr lang="zh-TW" altLang="en-US" sz="5400" b="1" dirty="0">
+                <a:solidFill>
+                  <a:srgbClr val="660033"/>
+                </a:solidFill>
+                <a:latin typeface="微軟正黑體" pitchFamily="34" charset="-120"/>
+                <a:ea typeface="微軟正黑體" pitchFamily="34" charset="-120"/>
+              </a:rPr>
+              <a:t>世人</a:t>
+            </a:r>
+            <a:endParaRPr lang="en-US" altLang="zh-TW" sz="5400" b="1" dirty="0">
+              <a:solidFill>
+                <a:srgbClr val="660033"/>
+              </a:solidFill>
+              <a:latin typeface="微軟正黑體" pitchFamily="34" charset="-120"/>
+              <a:ea typeface="微軟正黑體" pitchFamily="34" charset="-120"/>
+            </a:endParaRPr>
+          </a:p>
+          <a:p>
+            <a:pPr algn="ctr">
+              <a:buNone/>
+            </a:pPr>
+            <a:r>
+              <a:rPr lang="zh-TW" altLang="en-US" sz="5400" b="1" dirty="0">
                 <a:solidFill>
                   <a:srgbClr val="660033"/>
                 </a:solidFill>
@@ -3802,7 +3823,7 @@
         </p:nvSpPr>
         <p:spPr>
           <a:xfrm>
-            <a:off x="0" y="1600200"/>
+            <a:off x="1524000" y="1600201"/>
             <a:ext cx="9144000" cy="4525963"/>
           </a:xfrm>
         </p:spPr>
@@ -3826,7 +3847,7 @@
               <a:t>祂創造全世界和天上的萬</a:t>
             </a:r>
             <a:r>
-              <a:rPr lang="zh-TW" altLang="en-US" sz="5400" b="1" dirty="0" smtClean="0">
+              <a:rPr lang="zh-TW" altLang="en-US" sz="5400" b="1" dirty="0">
                 <a:solidFill>
                   <a:srgbClr val="660033"/>
                 </a:solidFill>
@@ -3848,7 +3869,7 @@
               <a:buNone/>
             </a:pPr>
             <a:r>
-              <a:rPr lang="zh-TW" altLang="en-US" sz="5400" b="1" dirty="0" smtClean="0">
+              <a:rPr lang="zh-TW" altLang="en-US" sz="5400" b="1" dirty="0">
                 <a:solidFill>
                   <a:srgbClr val="660033"/>
                 </a:solidFill>
@@ -3868,7 +3889,7 @@
               <a:t>能力和</a:t>
             </a:r>
             <a:r>
-              <a:rPr lang="zh-TW" altLang="en-US" sz="5400" b="1" dirty="0" smtClean="0">
+              <a:rPr lang="zh-TW" altLang="en-US" sz="5400" b="1" dirty="0">
                 <a:solidFill>
                   <a:srgbClr val="660033"/>
                 </a:solidFill>
@@ -3877,7 +3898,7 @@
               </a:rPr>
               <a:t>慈愛</a:t>
             </a:r>
-            <a:endParaRPr lang="en-US" altLang="zh-TW" sz="5400" b="1" dirty="0" smtClean="0">
+            <a:endParaRPr lang="en-US" altLang="zh-TW" sz="5400" b="1" dirty="0">
               <a:solidFill>
                 <a:srgbClr val="660033"/>
               </a:solidFill>
@@ -3890,7 +3911,7 @@
               <a:buNone/>
             </a:pPr>
             <a:r>
-              <a:rPr lang="zh-TW" altLang="en-US" sz="5400" b="1" dirty="0" smtClean="0">
+              <a:rPr lang="zh-TW" altLang="en-US" sz="5400" b="1" dirty="0">
                 <a:solidFill>
                   <a:srgbClr val="660033"/>
                 </a:solidFill>
@@ -3910,7 +3931,7 @@
               <a:t>統管</a:t>
             </a:r>
             <a:r>
-              <a:rPr lang="zh-TW" altLang="en-US" sz="5400" b="1" dirty="0" smtClean="0">
+              <a:rPr lang="zh-TW" altLang="en-US" sz="5400" b="1" dirty="0">
                 <a:solidFill>
                   <a:srgbClr val="660033"/>
                 </a:solidFill>
@@ -3919,7 +3940,7 @@
               </a:rPr>
               <a:t>全球</a:t>
             </a:r>
-            <a:endParaRPr lang="en-US" altLang="zh-TW" sz="5400" b="1" dirty="0" smtClean="0">
+            <a:endParaRPr lang="en-US" altLang="zh-TW" sz="5400" b="1" dirty="0">
               <a:solidFill>
                 <a:srgbClr val="660033"/>
               </a:solidFill>
@@ -3932,7 +3953,7 @@
               <a:buNone/>
             </a:pPr>
             <a:r>
-              <a:rPr lang="zh-TW" altLang="en-US" sz="5400" b="1" dirty="0" smtClean="0">
+              <a:rPr lang="zh-TW" altLang="en-US" sz="5400" b="1" dirty="0">
                 <a:solidFill>
                   <a:srgbClr val="660033"/>
                 </a:solidFill>
@@ -4028,7 +4049,7 @@
         </p:nvSpPr>
         <p:spPr>
           <a:xfrm>
-            <a:off x="0" y="1600200"/>
+            <a:off x="1524000" y="1600201"/>
             <a:ext cx="9144000" cy="4525963"/>
           </a:xfrm>
         </p:spPr>
@@ -4052,7 +4073,7 @@
               <a:t>讚美歸於</a:t>
             </a:r>
             <a:r>
-              <a:rPr lang="zh-TW" altLang="en-US" sz="5400" b="1" dirty="0" smtClean="0">
+              <a:rPr lang="zh-TW" altLang="en-US" sz="5400" b="1" dirty="0">
                 <a:solidFill>
                   <a:srgbClr val="660033"/>
                 </a:solidFill>
@@ -4060,28 +4081,6 @@
                 <a:ea typeface="微軟正黑體" pitchFamily="34" charset="-120"/>
               </a:rPr>
               <a:t>聖父</a:t>
-            </a:r>
-            <a:endParaRPr lang="en-US" altLang="zh-TW" sz="5400" b="1" dirty="0" smtClean="0">
-              <a:solidFill>
-                <a:srgbClr val="660033"/>
-              </a:solidFill>
-              <a:latin typeface="微軟正黑體" pitchFamily="34" charset="-120"/>
-              <a:ea typeface="微軟正黑體" pitchFamily="34" charset="-120"/>
-            </a:endParaRPr>
-          </a:p>
-          <a:p>
-            <a:pPr algn="ctr">
-              <a:buNone/>
-            </a:pPr>
-            <a:r>
-              <a:rPr lang="zh-TW" altLang="en-US" sz="5400" b="1" dirty="0" smtClean="0">
-                <a:solidFill>
-                  <a:srgbClr val="660033"/>
-                </a:solidFill>
-                <a:latin typeface="微軟正黑體" pitchFamily="34" charset="-120"/>
-                <a:ea typeface="微軟正黑體" pitchFamily="34" charset="-120"/>
-              </a:rPr>
-              <a:t>歸於聖子  歸於聖靈</a:t>
             </a:r>
             <a:endParaRPr lang="en-US" altLang="zh-TW" sz="5400" b="1" dirty="0">
               <a:solidFill>
@@ -4096,36 +4095,16 @@
               <a:buNone/>
             </a:pPr>
             <a:r>
-              <a:rPr lang="zh-TW" altLang="en-US" sz="5400" b="1" dirty="0" smtClean="0">
-                <a:solidFill>
-                  <a:srgbClr val="660033"/>
-                </a:solidFill>
-                <a:latin typeface="微軟正黑體" pitchFamily="34" charset="-120"/>
-                <a:ea typeface="微軟正黑體" pitchFamily="34" charset="-120"/>
-              </a:rPr>
-              <a:t>萬國</a:t>
-            </a:r>
-            <a:r>
-              <a:rPr lang="zh-TW" altLang="en-US" sz="5400" b="1" dirty="0">
-                <a:solidFill>
-                  <a:srgbClr val="660033"/>
-                </a:solidFill>
-                <a:latin typeface="微軟正黑體" pitchFamily="34" charset="-120"/>
-                <a:ea typeface="微軟正黑體" pitchFamily="34" charset="-120"/>
-              </a:rPr>
-              <a:t>當讚美</a:t>
-            </a:r>
-            <a:r>
-              <a:rPr lang="zh-TW" altLang="en-US" sz="5400" b="1" dirty="0" smtClean="0">
-                <a:solidFill>
-                  <a:srgbClr val="660033"/>
-                </a:solidFill>
-                <a:latin typeface="微軟正黑體" pitchFamily="34" charset="-120"/>
-                <a:ea typeface="微軟正黑體" pitchFamily="34" charset="-120"/>
-              </a:rPr>
-              <a:t>祂</a:t>
-            </a:r>
-            <a:endParaRPr lang="en-US" altLang="zh-TW" sz="5400" b="1" dirty="0" smtClean="0">
+              <a:rPr lang="zh-TW" altLang="en-US" sz="5400" b="1" dirty="0">
+                <a:solidFill>
+                  <a:srgbClr val="660033"/>
+                </a:solidFill>
+                <a:latin typeface="微軟正黑體" pitchFamily="34" charset="-120"/>
+                <a:ea typeface="微軟正黑體" pitchFamily="34" charset="-120"/>
+              </a:rPr>
+              <a:t>歸於聖子  歸於聖靈</a:t>
+            </a:r>
+            <a:endParaRPr lang="en-US" altLang="zh-TW" sz="5400" b="1" dirty="0">
               <a:solidFill>
                 <a:srgbClr val="660033"/>
               </a:solidFill>
@@ -4138,7 +4117,49 @@
               <a:buNone/>
             </a:pPr>
             <a:r>
-              <a:rPr lang="zh-TW" altLang="en-US" sz="5400" b="1" dirty="0" smtClean="0">
+              <a:rPr lang="zh-TW" altLang="en-US" sz="5400" b="1" dirty="0">
+                <a:solidFill>
+                  <a:srgbClr val="660033"/>
+                </a:solidFill>
+                <a:latin typeface="微軟正黑體" pitchFamily="34" charset="-120"/>
+                <a:ea typeface="微軟正黑體" pitchFamily="34" charset="-120"/>
+              </a:rPr>
+              <a:t>萬國</a:t>
+            </a:r>
+            <a:r>
+              <a:rPr lang="zh-TW" altLang="en-US" sz="5400" b="1" dirty="0">
+                <a:solidFill>
+                  <a:srgbClr val="660033"/>
+                </a:solidFill>
+                <a:latin typeface="微軟正黑體" pitchFamily="34" charset="-120"/>
+                <a:ea typeface="微軟正黑體" pitchFamily="34" charset="-120"/>
+              </a:rPr>
+              <a:t>當讚美</a:t>
+            </a:r>
+            <a:r>
+              <a:rPr lang="zh-TW" altLang="en-US" sz="5400" b="1" dirty="0">
+                <a:solidFill>
+                  <a:srgbClr val="660033"/>
+                </a:solidFill>
+                <a:latin typeface="微軟正黑體" pitchFamily="34" charset="-120"/>
+                <a:ea typeface="微軟正黑體" pitchFamily="34" charset="-120"/>
+              </a:rPr>
+              <a:t>祂</a:t>
+            </a:r>
+            <a:endParaRPr lang="en-US" altLang="zh-TW" sz="5400" b="1" dirty="0">
+              <a:solidFill>
+                <a:srgbClr val="660033"/>
+              </a:solidFill>
+              <a:latin typeface="微軟正黑體" pitchFamily="34" charset="-120"/>
+              <a:ea typeface="微軟正黑體" pitchFamily="34" charset="-120"/>
+            </a:endParaRPr>
+          </a:p>
+          <a:p>
+            <a:pPr algn="ctr">
+              <a:buNone/>
+            </a:pPr>
+            <a:r>
+              <a:rPr lang="zh-TW" altLang="en-US" sz="5400" b="1" dirty="0">
                 <a:solidFill>
                   <a:srgbClr val="660033"/>
                 </a:solidFill>
@@ -4234,7 +4255,7 @@
         </p:nvSpPr>
         <p:spPr>
           <a:xfrm>
-            <a:off x="0" y="1600200"/>
+            <a:off x="1524000" y="1600200"/>
             <a:ext cx="9144000" cy="5257800"/>
           </a:xfrm>
         </p:spPr>
@@ -4258,7 +4279,7 @@
               <a:t>榮耀歸於我</a:t>
             </a:r>
             <a:r>
-              <a:rPr lang="zh-TW" altLang="en-US" sz="5400" b="1" dirty="0" smtClean="0">
+              <a:rPr lang="zh-TW" altLang="en-US" sz="5400" b="1" dirty="0">
                 <a:solidFill>
                   <a:srgbClr val="660033"/>
                 </a:solidFill>
@@ -4266,48 +4287,6 @@
                 <a:ea typeface="微軟正黑體" pitchFamily="34" charset="-120"/>
               </a:rPr>
               <a:t>君王</a:t>
-            </a:r>
-            <a:endParaRPr lang="en-US" altLang="zh-TW" sz="5400" b="1" dirty="0" smtClean="0">
-              <a:solidFill>
-                <a:srgbClr val="660033"/>
-              </a:solidFill>
-              <a:latin typeface="微軟正黑體" pitchFamily="34" charset="-120"/>
-              <a:ea typeface="微軟正黑體" pitchFamily="34" charset="-120"/>
-            </a:endParaRPr>
-          </a:p>
-          <a:p>
-            <a:pPr algn="ctr">
-              <a:buNone/>
-            </a:pPr>
-            <a:r>
-              <a:rPr lang="zh-TW" altLang="en-US" sz="5400" b="1" dirty="0" smtClean="0">
-                <a:solidFill>
-                  <a:srgbClr val="660033"/>
-                </a:solidFill>
-                <a:latin typeface="微軟正黑體" pitchFamily="34" charset="-120"/>
-                <a:ea typeface="微軟正黑體" pitchFamily="34" charset="-120"/>
-              </a:rPr>
-              <a:t>榮耀</a:t>
-            </a:r>
-            <a:r>
-              <a:rPr lang="zh-TW" altLang="en-US" sz="5400" b="1" dirty="0">
-                <a:solidFill>
-                  <a:srgbClr val="660033"/>
-                </a:solidFill>
-                <a:latin typeface="微軟正黑體" pitchFamily="34" charset="-120"/>
-                <a:ea typeface="微軟正黑體" pitchFamily="34" charset="-120"/>
-              </a:rPr>
-              <a:t>歸於祂永遠的</a:t>
-            </a:r>
-            <a:r>
-              <a:rPr lang="zh-TW" altLang="en-US" sz="5400" b="1" dirty="0" smtClean="0">
-                <a:solidFill>
-                  <a:srgbClr val="660033"/>
-                </a:solidFill>
-                <a:latin typeface="微軟正黑體" pitchFamily="34" charset="-120"/>
-                <a:ea typeface="微軟正黑體" pitchFamily="34" charset="-120"/>
-              </a:rPr>
-              <a:t>名</a:t>
             </a:r>
             <a:endParaRPr lang="en-US" altLang="zh-TW" sz="5400" b="1" dirty="0">
               <a:solidFill>
@@ -4322,36 +4301,36 @@
               <a:buNone/>
             </a:pPr>
             <a:r>
-              <a:rPr lang="zh-TW" altLang="en-US" sz="5400" b="1" dirty="0" smtClean="0">
-                <a:solidFill>
-                  <a:srgbClr val="660033"/>
-                </a:solidFill>
-                <a:latin typeface="微軟正黑體" pitchFamily="34" charset="-120"/>
-                <a:ea typeface="微軟正黑體" pitchFamily="34" charset="-120"/>
-              </a:rPr>
-              <a:t>願</a:t>
-            </a:r>
-            <a:r>
-              <a:rPr lang="zh-TW" altLang="en-US" sz="5400" b="1" dirty="0">
-                <a:solidFill>
-                  <a:srgbClr val="660033"/>
-                </a:solidFill>
-                <a:latin typeface="微軟正黑體" pitchFamily="34" charset="-120"/>
-                <a:ea typeface="微軟正黑體" pitchFamily="34" charset="-120"/>
-              </a:rPr>
-              <a:t>全地</a:t>
-            </a:r>
-            <a:r>
-              <a:rPr lang="zh-TW" altLang="en-US" sz="5400" b="1" dirty="0" smtClean="0">
-                <a:solidFill>
-                  <a:srgbClr val="660033"/>
-                </a:solidFill>
-                <a:latin typeface="微軟正黑體" pitchFamily="34" charset="-120"/>
-                <a:ea typeface="微軟正黑體" pitchFamily="34" charset="-120"/>
-              </a:rPr>
-              <a:t>喜悅</a:t>
-            </a:r>
-            <a:endParaRPr lang="en-US" altLang="zh-TW" sz="5400" b="1" dirty="0" smtClean="0">
+              <a:rPr lang="zh-TW" altLang="en-US" sz="5400" b="1" dirty="0">
+                <a:solidFill>
+                  <a:srgbClr val="660033"/>
+                </a:solidFill>
+                <a:latin typeface="微軟正黑體" pitchFamily="34" charset="-120"/>
+                <a:ea typeface="微軟正黑體" pitchFamily="34" charset="-120"/>
+              </a:rPr>
+              <a:t>榮耀</a:t>
+            </a:r>
+            <a:r>
+              <a:rPr lang="zh-TW" altLang="en-US" sz="5400" b="1" dirty="0">
+                <a:solidFill>
+                  <a:srgbClr val="660033"/>
+                </a:solidFill>
+                <a:latin typeface="微軟正黑體" pitchFamily="34" charset="-120"/>
+                <a:ea typeface="微軟正黑體" pitchFamily="34" charset="-120"/>
+              </a:rPr>
+              <a:t>歸於祂永遠的</a:t>
+            </a:r>
+            <a:r>
+              <a:rPr lang="zh-TW" altLang="en-US" sz="5400" b="1" dirty="0">
+                <a:solidFill>
+                  <a:srgbClr val="660033"/>
+                </a:solidFill>
+                <a:latin typeface="微軟正黑體" pitchFamily="34" charset="-120"/>
+                <a:ea typeface="微軟正黑體" pitchFamily="34" charset="-120"/>
+              </a:rPr>
+              <a:t>名</a:t>
+            </a:r>
+            <a:endParaRPr lang="en-US" altLang="zh-TW" sz="5400" b="1" dirty="0">
               <a:solidFill>
                 <a:srgbClr val="660033"/>
               </a:solidFill>
@@ -4364,6 +4343,26 @@
               <a:buNone/>
             </a:pPr>
             <a:r>
+              <a:rPr lang="zh-TW" altLang="en-US" sz="5400" b="1" dirty="0">
+                <a:solidFill>
+                  <a:srgbClr val="660033"/>
+                </a:solidFill>
+                <a:latin typeface="微軟正黑體" pitchFamily="34" charset="-120"/>
+                <a:ea typeface="微軟正黑體" pitchFamily="34" charset="-120"/>
+              </a:rPr>
+              <a:t>願</a:t>
+            </a:r>
+            <a:r>
+              <a:rPr lang="zh-TW" altLang="en-US" sz="5400" b="1" dirty="0">
+                <a:solidFill>
+                  <a:srgbClr val="660033"/>
+                </a:solidFill>
+                <a:latin typeface="微軟正黑體" pitchFamily="34" charset="-120"/>
+                <a:ea typeface="微軟正黑體" pitchFamily="34" charset="-120"/>
+              </a:rPr>
+              <a:t>全地</a:t>
+            </a:r>
+            <a:r>
               <a:rPr lang="zh-TW" altLang="en-US" sz="5400" b="1" dirty="0" smtClean="0">
                 <a:solidFill>
                   <a:srgbClr val="660033"/>
@@ -4371,6 +4370,26 @@
                 <a:latin typeface="微軟正黑體" pitchFamily="34" charset="-120"/>
                 <a:ea typeface="微軟正黑體" pitchFamily="34" charset="-120"/>
               </a:rPr>
+              <a:t>喜悅</a:t>
+            </a:r>
+            <a:r>
+              <a:rPr lang="en-US" altLang="zh-TW" sz="5400" b="1" dirty="0" smtClean="0">
+                <a:solidFill>
+                  <a:srgbClr val="660033"/>
+                </a:solidFill>
+                <a:latin typeface="微軟正黑體" pitchFamily="34" charset="-120"/>
+                <a:ea typeface="微軟正黑體" pitchFamily="34" charset="-120"/>
+              </a:rPr>
+              <a:t>  </a:t>
+            </a:r>
+            <a:r>
+              <a:rPr lang="zh-TW" altLang="en-US" sz="5400" b="1" dirty="0" smtClean="0">
+                <a:solidFill>
+                  <a:srgbClr val="660033"/>
+                </a:solidFill>
+                <a:latin typeface="微軟正黑體" pitchFamily="34" charset="-120"/>
+                <a:ea typeface="微軟正黑體" pitchFamily="34" charset="-120"/>
+              </a:rPr>
               <a:t>在</a:t>
             </a:r>
             <a:r>
@@ -4384,7 +4403,7 @@
               <a:t>祂愛中</a:t>
             </a:r>
             <a:r>
-              <a:rPr lang="zh-TW" altLang="en-US" sz="5400" b="1" dirty="0" smtClean="0">
+              <a:rPr lang="zh-TW" altLang="en-US" sz="5400" b="1" dirty="0">
                 <a:solidFill>
                   <a:srgbClr val="660033"/>
                 </a:solidFill>
@@ -4393,7 +4412,7 @@
               </a:rPr>
               <a:t>歡欣</a:t>
             </a:r>
-            <a:endParaRPr lang="en-US" altLang="zh-TW" sz="5400" b="1" dirty="0" smtClean="0">
+            <a:endParaRPr lang="en-US" altLang="zh-TW" sz="5400" b="1" dirty="0">
               <a:solidFill>
                 <a:srgbClr val="660033"/>
               </a:solidFill>
@@ -4406,7 +4425,7 @@
               <a:buNone/>
             </a:pPr>
             <a:r>
-              <a:rPr lang="zh-TW" altLang="en-US" sz="5400" b="1" dirty="0" smtClean="0">
+              <a:rPr lang="zh-TW" altLang="en-US" sz="5400" b="1" dirty="0">
                 <a:solidFill>
                   <a:srgbClr val="660033"/>
                 </a:solidFill>
@@ -4426,7 +4445,7 @@
               <a:t>讚美我</a:t>
             </a:r>
             <a:r>
-              <a:rPr lang="zh-TW" altLang="en-US" sz="5400" b="1" dirty="0" smtClean="0">
+              <a:rPr lang="zh-TW" altLang="en-US" sz="5400" b="1" dirty="0">
                 <a:solidFill>
                   <a:srgbClr val="660033"/>
                 </a:solidFill>

--- a/當讚美聖父.pptx
+++ b/當讚美聖父.pptx
@@ -5,12 +5,19 @@
     <p:sldMasterId id="2147483685" r:id="rId1"/>
   </p:sldMasterIdLst>
   <p:sldIdLst>
-    <p:sldId id="256" r:id="rId2"/>
-    <p:sldId id="257" r:id="rId3"/>
-    <p:sldId id="258" r:id="rId4"/>
-    <p:sldId id="259" r:id="rId5"/>
-    <p:sldId id="260" r:id="rId6"/>
-    <p:sldId id="261" r:id="rId7"/>
+    <p:sldId id="508" r:id="rId2"/>
+    <p:sldId id="509" r:id="rId3"/>
+    <p:sldId id="510" r:id="rId4"/>
+    <p:sldId id="511" r:id="rId5"/>
+    <p:sldId id="512" r:id="rId6"/>
+    <p:sldId id="513" r:id="rId7"/>
+    <p:sldId id="514" r:id="rId8"/>
+    <p:sldId id="515" r:id="rId9"/>
+    <p:sldId id="516" r:id="rId10"/>
+    <p:sldId id="517" r:id="rId11"/>
+    <p:sldId id="518" r:id="rId12"/>
+    <p:sldId id="519" r:id="rId13"/>
+    <p:sldId id="520" r:id="rId14"/>
   </p:sldIdLst>
   <p:sldSz cx="12192000" cy="6858000"/>
   <p:notesSz cx="6858000" cy="9144000"/>
@@ -166,10 +173,9 @@
           <a:lstStyle/>
           <a:p>
             <a:r>
-              <a:rPr lang="zh-TW" altLang="en-US" smtClean="0"/>
+              <a:rPr lang="zh-TW" altLang="en-US"/>
               <a:t>按一下以編輯母片標題樣式</a:t>
             </a:r>
-            <a:endParaRPr lang="zh-TW" altLang="en-US"/>
           </a:p>
         </p:txBody>
       </p:sp>
@@ -285,10 +291,9 @@
           </a:lstStyle>
           <a:p>
             <a:r>
-              <a:rPr lang="zh-TW" altLang="en-US" smtClean="0"/>
+              <a:rPr lang="zh-TW" altLang="en-US"/>
               <a:t>按一下以編輯母片副標題樣式</a:t>
             </a:r>
-            <a:endParaRPr lang="zh-TW" altLang="en-US"/>
           </a:p>
         </p:txBody>
       </p:sp>
@@ -310,7 +315,7 @@
             <a:fld id="{210B1242-4DBA-42D6-8BAA-7B0595D9563C}" type="datetimeFigureOut">
               <a:rPr lang="zh-TW" altLang="en-US" smtClean="0"/>
               <a:pPr/>
-              <a:t>2019/10/11</a:t>
+              <a:t>2023/12/30</a:t>
             </a:fld>
             <a:endParaRPr lang="zh-TW" altLang="en-US"/>
           </a:p>
@@ -400,10 +405,9 @@
           <a:lstStyle/>
           <a:p>
             <a:r>
-              <a:rPr lang="zh-TW" altLang="en-US" smtClean="0"/>
+              <a:rPr lang="zh-TW" altLang="en-US"/>
               <a:t>按一下以編輯母片標題樣式</a:t>
             </a:r>
-            <a:endParaRPr lang="zh-TW" altLang="en-US"/>
           </a:p>
         </p:txBody>
       </p:sp>
@@ -424,38 +428,37 @@
           <a:p>
             <a:pPr lvl="0"/>
             <a:r>
-              <a:rPr lang="zh-TW" altLang="en-US" smtClean="0"/>
+              <a:rPr lang="zh-TW" altLang="en-US"/>
               <a:t>按一下以編輯母片文字樣式</a:t>
             </a:r>
           </a:p>
           <a:p>
             <a:pPr lvl="1"/>
             <a:r>
-              <a:rPr lang="zh-TW" altLang="en-US" smtClean="0"/>
+              <a:rPr lang="zh-TW" altLang="en-US"/>
               <a:t>第二層</a:t>
             </a:r>
           </a:p>
           <a:p>
             <a:pPr lvl="2"/>
             <a:r>
-              <a:rPr lang="zh-TW" altLang="en-US" smtClean="0"/>
+              <a:rPr lang="zh-TW" altLang="en-US"/>
               <a:t>第三層</a:t>
             </a:r>
           </a:p>
           <a:p>
             <a:pPr lvl="3"/>
             <a:r>
-              <a:rPr lang="zh-TW" altLang="en-US" smtClean="0"/>
+              <a:rPr lang="zh-TW" altLang="en-US"/>
               <a:t>第四層</a:t>
             </a:r>
           </a:p>
           <a:p>
             <a:pPr lvl="4"/>
             <a:r>
-              <a:rPr lang="zh-TW" altLang="en-US" smtClean="0"/>
+              <a:rPr lang="zh-TW" altLang="en-US"/>
               <a:t>第五層</a:t>
             </a:r>
-            <a:endParaRPr lang="zh-TW" altLang="en-US"/>
           </a:p>
         </p:txBody>
       </p:sp>
@@ -477,7 +480,7 @@
             <a:fld id="{210B1242-4DBA-42D6-8BAA-7B0595D9563C}" type="datetimeFigureOut">
               <a:rPr lang="zh-TW" altLang="en-US" smtClean="0"/>
               <a:pPr/>
-              <a:t>2019/10/11</a:t>
+              <a:t>2023/12/30</a:t>
             </a:fld>
             <a:endParaRPr lang="zh-TW" altLang="en-US"/>
           </a:p>
@@ -572,10 +575,9 @@
           <a:lstStyle/>
           <a:p>
             <a:r>
-              <a:rPr lang="zh-TW" altLang="en-US" smtClean="0"/>
+              <a:rPr lang="zh-TW" altLang="en-US"/>
               <a:t>按一下以編輯母片標題樣式</a:t>
             </a:r>
-            <a:endParaRPr lang="zh-TW" altLang="en-US"/>
           </a:p>
         </p:txBody>
       </p:sp>
@@ -601,38 +603,37 @@
           <a:p>
             <a:pPr lvl="0"/>
             <a:r>
-              <a:rPr lang="zh-TW" altLang="en-US" smtClean="0"/>
+              <a:rPr lang="zh-TW" altLang="en-US"/>
               <a:t>按一下以編輯母片文字樣式</a:t>
             </a:r>
           </a:p>
           <a:p>
             <a:pPr lvl="1"/>
             <a:r>
-              <a:rPr lang="zh-TW" altLang="en-US" smtClean="0"/>
+              <a:rPr lang="zh-TW" altLang="en-US"/>
               <a:t>第二層</a:t>
             </a:r>
           </a:p>
           <a:p>
             <a:pPr lvl="2"/>
             <a:r>
-              <a:rPr lang="zh-TW" altLang="en-US" smtClean="0"/>
+              <a:rPr lang="zh-TW" altLang="en-US"/>
               <a:t>第三層</a:t>
             </a:r>
           </a:p>
           <a:p>
             <a:pPr lvl="3"/>
             <a:r>
-              <a:rPr lang="zh-TW" altLang="en-US" smtClean="0"/>
+              <a:rPr lang="zh-TW" altLang="en-US"/>
               <a:t>第四層</a:t>
             </a:r>
           </a:p>
           <a:p>
             <a:pPr lvl="4"/>
             <a:r>
-              <a:rPr lang="zh-TW" altLang="en-US" smtClean="0"/>
+              <a:rPr lang="zh-TW" altLang="en-US"/>
               <a:t>第五層</a:t>
             </a:r>
-            <a:endParaRPr lang="zh-TW" altLang="en-US"/>
           </a:p>
         </p:txBody>
       </p:sp>
@@ -654,7 +655,7 @@
             <a:fld id="{210B1242-4DBA-42D6-8BAA-7B0595D9563C}" type="datetimeFigureOut">
               <a:rPr lang="zh-TW" altLang="en-US" smtClean="0"/>
               <a:pPr/>
-              <a:t>2019/10/11</a:t>
+              <a:t>2023/12/30</a:t>
             </a:fld>
             <a:endParaRPr lang="zh-TW" altLang="en-US"/>
           </a:p>
@@ -744,10 +745,9 @@
           <a:lstStyle/>
           <a:p>
             <a:r>
-              <a:rPr lang="zh-TW" altLang="en-US" smtClean="0"/>
+              <a:rPr lang="zh-TW" altLang="en-US"/>
               <a:t>按一下以編輯母片標題樣式</a:t>
             </a:r>
-            <a:endParaRPr lang="zh-TW" altLang="en-US"/>
           </a:p>
         </p:txBody>
       </p:sp>
@@ -768,38 +768,37 @@
           <a:p>
             <a:pPr lvl="0"/>
             <a:r>
-              <a:rPr lang="zh-TW" altLang="en-US" smtClean="0"/>
+              <a:rPr lang="zh-TW" altLang="en-US"/>
               <a:t>按一下以編輯母片文字樣式</a:t>
             </a:r>
           </a:p>
           <a:p>
             <a:pPr lvl="1"/>
             <a:r>
-              <a:rPr lang="zh-TW" altLang="en-US" smtClean="0"/>
+              <a:rPr lang="zh-TW" altLang="en-US"/>
               <a:t>第二層</a:t>
             </a:r>
           </a:p>
           <a:p>
             <a:pPr lvl="2"/>
             <a:r>
-              <a:rPr lang="zh-TW" altLang="en-US" smtClean="0"/>
+              <a:rPr lang="zh-TW" altLang="en-US"/>
               <a:t>第三層</a:t>
             </a:r>
           </a:p>
           <a:p>
             <a:pPr lvl="3"/>
             <a:r>
-              <a:rPr lang="zh-TW" altLang="en-US" smtClean="0"/>
+              <a:rPr lang="zh-TW" altLang="en-US"/>
               <a:t>第四層</a:t>
             </a:r>
           </a:p>
           <a:p>
             <a:pPr lvl="4"/>
             <a:r>
-              <a:rPr lang="zh-TW" altLang="en-US" smtClean="0"/>
+              <a:rPr lang="zh-TW" altLang="en-US"/>
               <a:t>第五層</a:t>
             </a:r>
-            <a:endParaRPr lang="zh-TW" altLang="en-US"/>
           </a:p>
         </p:txBody>
       </p:sp>
@@ -821,7 +820,7 @@
             <a:fld id="{210B1242-4DBA-42D6-8BAA-7B0595D9563C}" type="datetimeFigureOut">
               <a:rPr lang="zh-TW" altLang="en-US" smtClean="0"/>
               <a:pPr/>
-              <a:t>2019/10/11</a:t>
+              <a:t>2023/12/30</a:t>
             </a:fld>
             <a:endParaRPr lang="zh-TW" altLang="en-US"/>
           </a:p>
@@ -920,10 +919,9 @@
           </a:lstStyle>
           <a:p>
             <a:r>
-              <a:rPr lang="zh-TW" altLang="en-US" smtClean="0"/>
+              <a:rPr lang="zh-TW" altLang="en-US"/>
               <a:t>按一下以編輯母片標題樣式</a:t>
             </a:r>
-            <a:endParaRPr lang="zh-TW" altLang="en-US"/>
           </a:p>
         </p:txBody>
       </p:sp>
@@ -1040,7 +1038,7 @@
           <a:p>
             <a:pPr lvl="0"/>
             <a:r>
-              <a:rPr lang="zh-TW" altLang="en-US" smtClean="0"/>
+              <a:rPr lang="zh-TW" altLang="en-US"/>
               <a:t>按一下以編輯母片文字樣式</a:t>
             </a:r>
           </a:p>
@@ -1064,7 +1062,7 @@
             <a:fld id="{210B1242-4DBA-42D6-8BAA-7B0595D9563C}" type="datetimeFigureOut">
               <a:rPr lang="zh-TW" altLang="en-US" smtClean="0"/>
               <a:pPr/>
-              <a:t>2019/10/11</a:t>
+              <a:t>2023/12/30</a:t>
             </a:fld>
             <a:endParaRPr lang="zh-TW" altLang="en-US"/>
           </a:p>
@@ -1154,10 +1152,9 @@
           <a:lstStyle/>
           <a:p>
             <a:r>
-              <a:rPr lang="zh-TW" altLang="en-US" smtClean="0"/>
+              <a:rPr lang="zh-TW" altLang="en-US"/>
               <a:t>按一下以編輯母片標題樣式</a:t>
             </a:r>
-            <a:endParaRPr lang="zh-TW" altLang="en-US"/>
           </a:p>
         </p:txBody>
       </p:sp>
@@ -1211,38 +1208,37 @@
           <a:p>
             <a:pPr lvl="0"/>
             <a:r>
-              <a:rPr lang="zh-TW" altLang="en-US" smtClean="0"/>
+              <a:rPr lang="zh-TW" altLang="en-US"/>
               <a:t>按一下以編輯母片文字樣式</a:t>
             </a:r>
           </a:p>
           <a:p>
             <a:pPr lvl="1"/>
             <a:r>
-              <a:rPr lang="zh-TW" altLang="en-US" smtClean="0"/>
+              <a:rPr lang="zh-TW" altLang="en-US"/>
               <a:t>第二層</a:t>
             </a:r>
           </a:p>
           <a:p>
             <a:pPr lvl="2"/>
             <a:r>
-              <a:rPr lang="zh-TW" altLang="en-US" smtClean="0"/>
+              <a:rPr lang="zh-TW" altLang="en-US"/>
               <a:t>第三層</a:t>
             </a:r>
           </a:p>
           <a:p>
             <a:pPr lvl="3"/>
             <a:r>
-              <a:rPr lang="zh-TW" altLang="en-US" smtClean="0"/>
+              <a:rPr lang="zh-TW" altLang="en-US"/>
               <a:t>第四層</a:t>
             </a:r>
           </a:p>
           <a:p>
             <a:pPr lvl="4"/>
             <a:r>
-              <a:rPr lang="zh-TW" altLang="en-US" smtClean="0"/>
+              <a:rPr lang="zh-TW" altLang="en-US"/>
               <a:t>第五層</a:t>
             </a:r>
-            <a:endParaRPr lang="zh-TW" altLang="en-US"/>
           </a:p>
         </p:txBody>
       </p:sp>
@@ -1296,38 +1292,37 @@
           <a:p>
             <a:pPr lvl="0"/>
             <a:r>
-              <a:rPr lang="zh-TW" altLang="en-US" smtClean="0"/>
+              <a:rPr lang="zh-TW" altLang="en-US"/>
               <a:t>按一下以編輯母片文字樣式</a:t>
             </a:r>
           </a:p>
           <a:p>
             <a:pPr lvl="1"/>
             <a:r>
-              <a:rPr lang="zh-TW" altLang="en-US" smtClean="0"/>
+              <a:rPr lang="zh-TW" altLang="en-US"/>
               <a:t>第二層</a:t>
             </a:r>
           </a:p>
           <a:p>
             <a:pPr lvl="2"/>
             <a:r>
-              <a:rPr lang="zh-TW" altLang="en-US" smtClean="0"/>
+              <a:rPr lang="zh-TW" altLang="en-US"/>
               <a:t>第三層</a:t>
             </a:r>
           </a:p>
           <a:p>
             <a:pPr lvl="3"/>
             <a:r>
-              <a:rPr lang="zh-TW" altLang="en-US" smtClean="0"/>
+              <a:rPr lang="zh-TW" altLang="en-US"/>
               <a:t>第四層</a:t>
             </a:r>
           </a:p>
           <a:p>
             <a:pPr lvl="4"/>
             <a:r>
-              <a:rPr lang="zh-TW" altLang="en-US" smtClean="0"/>
+              <a:rPr lang="zh-TW" altLang="en-US"/>
               <a:t>第五層</a:t>
             </a:r>
-            <a:endParaRPr lang="zh-TW" altLang="en-US"/>
           </a:p>
         </p:txBody>
       </p:sp>
@@ -1349,7 +1344,7 @@
             <a:fld id="{210B1242-4DBA-42D6-8BAA-7B0595D9563C}" type="datetimeFigureOut">
               <a:rPr lang="zh-TW" altLang="en-US" smtClean="0"/>
               <a:pPr/>
-              <a:t>2019/10/11</a:t>
+              <a:t>2023/12/30</a:t>
             </a:fld>
             <a:endParaRPr lang="zh-TW" altLang="en-US"/>
           </a:p>
@@ -1443,10 +1438,9 @@
           </a:lstStyle>
           <a:p>
             <a:r>
-              <a:rPr lang="zh-TW" altLang="en-US" smtClean="0"/>
+              <a:rPr lang="zh-TW" altLang="en-US"/>
               <a:t>按一下以編輯母片標題樣式</a:t>
             </a:r>
-            <a:endParaRPr lang="zh-TW" altLang="en-US"/>
           </a:p>
         </p:txBody>
       </p:sp>
@@ -1509,7 +1503,7 @@
           <a:p>
             <a:pPr lvl="0"/>
             <a:r>
-              <a:rPr lang="zh-TW" altLang="en-US" smtClean="0"/>
+              <a:rPr lang="zh-TW" altLang="en-US"/>
               <a:t>按一下以編輯母片文字樣式</a:t>
             </a:r>
           </a:p>
@@ -1565,38 +1559,37 @@
           <a:p>
             <a:pPr lvl="0"/>
             <a:r>
-              <a:rPr lang="zh-TW" altLang="en-US" smtClean="0"/>
+              <a:rPr lang="zh-TW" altLang="en-US"/>
               <a:t>按一下以編輯母片文字樣式</a:t>
             </a:r>
           </a:p>
           <a:p>
             <a:pPr lvl="1"/>
             <a:r>
-              <a:rPr lang="zh-TW" altLang="en-US" smtClean="0"/>
+              <a:rPr lang="zh-TW" altLang="en-US"/>
               <a:t>第二層</a:t>
             </a:r>
           </a:p>
           <a:p>
             <a:pPr lvl="2"/>
             <a:r>
-              <a:rPr lang="zh-TW" altLang="en-US" smtClean="0"/>
+              <a:rPr lang="zh-TW" altLang="en-US"/>
               <a:t>第三層</a:t>
             </a:r>
           </a:p>
           <a:p>
             <a:pPr lvl="3"/>
             <a:r>
-              <a:rPr lang="zh-TW" altLang="en-US" smtClean="0"/>
+              <a:rPr lang="zh-TW" altLang="en-US"/>
               <a:t>第四層</a:t>
             </a:r>
           </a:p>
           <a:p>
             <a:pPr lvl="4"/>
             <a:r>
-              <a:rPr lang="zh-TW" altLang="en-US" smtClean="0"/>
+              <a:rPr lang="zh-TW" altLang="en-US"/>
               <a:t>第五層</a:t>
             </a:r>
-            <a:endParaRPr lang="zh-TW" altLang="en-US"/>
           </a:p>
         </p:txBody>
       </p:sp>
@@ -1659,7 +1652,7 @@
           <a:p>
             <a:pPr lvl="0"/>
             <a:r>
-              <a:rPr lang="zh-TW" altLang="en-US" smtClean="0"/>
+              <a:rPr lang="zh-TW" altLang="en-US"/>
               <a:t>按一下以編輯母片文字樣式</a:t>
             </a:r>
           </a:p>
@@ -1715,38 +1708,37 @@
           <a:p>
             <a:pPr lvl="0"/>
             <a:r>
-              <a:rPr lang="zh-TW" altLang="en-US" smtClean="0"/>
+              <a:rPr lang="zh-TW" altLang="en-US"/>
               <a:t>按一下以編輯母片文字樣式</a:t>
             </a:r>
           </a:p>
           <a:p>
             <a:pPr lvl="1"/>
             <a:r>
-              <a:rPr lang="zh-TW" altLang="en-US" smtClean="0"/>
+              <a:rPr lang="zh-TW" altLang="en-US"/>
               <a:t>第二層</a:t>
             </a:r>
           </a:p>
           <a:p>
             <a:pPr lvl="2"/>
             <a:r>
-              <a:rPr lang="zh-TW" altLang="en-US" smtClean="0"/>
+              <a:rPr lang="zh-TW" altLang="en-US"/>
               <a:t>第三層</a:t>
             </a:r>
           </a:p>
           <a:p>
             <a:pPr lvl="3"/>
             <a:r>
-              <a:rPr lang="zh-TW" altLang="en-US" smtClean="0"/>
+              <a:rPr lang="zh-TW" altLang="en-US"/>
               <a:t>第四層</a:t>
             </a:r>
           </a:p>
           <a:p>
             <a:pPr lvl="4"/>
             <a:r>
-              <a:rPr lang="zh-TW" altLang="en-US" smtClean="0"/>
+              <a:rPr lang="zh-TW" altLang="en-US"/>
               <a:t>第五層</a:t>
             </a:r>
-            <a:endParaRPr lang="zh-TW" altLang="en-US"/>
           </a:p>
         </p:txBody>
       </p:sp>
@@ -1768,7 +1760,7 @@
             <a:fld id="{210B1242-4DBA-42D6-8BAA-7B0595D9563C}" type="datetimeFigureOut">
               <a:rPr lang="zh-TW" altLang="en-US" smtClean="0"/>
               <a:pPr/>
-              <a:t>2019/10/11</a:t>
+              <a:t>2023/12/30</a:t>
             </a:fld>
             <a:endParaRPr lang="zh-TW" altLang="en-US"/>
           </a:p>
@@ -1858,10 +1850,9 @@
           <a:lstStyle/>
           <a:p>
             <a:r>
-              <a:rPr lang="zh-TW" altLang="en-US" smtClean="0"/>
+              <a:rPr lang="zh-TW" altLang="en-US"/>
               <a:t>按一下以編輯母片標題樣式</a:t>
             </a:r>
-            <a:endParaRPr lang="zh-TW" altLang="en-US"/>
           </a:p>
         </p:txBody>
       </p:sp>
@@ -1883,7 +1874,7 @@
             <a:fld id="{210B1242-4DBA-42D6-8BAA-7B0595D9563C}" type="datetimeFigureOut">
               <a:rPr lang="zh-TW" altLang="en-US" smtClean="0"/>
               <a:pPr/>
-              <a:t>2019/10/11</a:t>
+              <a:t>2023/12/30</a:t>
             </a:fld>
             <a:endParaRPr lang="zh-TW" altLang="en-US"/>
           </a:p>
@@ -1975,7 +1966,7 @@
             <a:fld id="{210B1242-4DBA-42D6-8BAA-7B0595D9563C}" type="datetimeFigureOut">
               <a:rPr lang="zh-TW" altLang="en-US" smtClean="0"/>
               <a:pPr/>
-              <a:t>2019/10/11</a:t>
+              <a:t>2023/12/30</a:t>
             </a:fld>
             <a:endParaRPr lang="zh-TW" altLang="en-US"/>
           </a:p>
@@ -2074,10 +2065,9 @@
           </a:lstStyle>
           <a:p>
             <a:r>
-              <a:rPr lang="zh-TW" altLang="en-US" smtClean="0"/>
+              <a:rPr lang="zh-TW" altLang="en-US"/>
               <a:t>按一下以編輯母片標題樣式</a:t>
             </a:r>
-            <a:endParaRPr lang="zh-TW" altLang="en-US"/>
           </a:p>
         </p:txBody>
       </p:sp>
@@ -2131,38 +2121,37 @@
           <a:p>
             <a:pPr lvl="0"/>
             <a:r>
-              <a:rPr lang="zh-TW" altLang="en-US" smtClean="0"/>
+              <a:rPr lang="zh-TW" altLang="en-US"/>
               <a:t>按一下以編輯母片文字樣式</a:t>
             </a:r>
           </a:p>
           <a:p>
             <a:pPr lvl="1"/>
             <a:r>
-              <a:rPr lang="zh-TW" altLang="en-US" smtClean="0"/>
+              <a:rPr lang="zh-TW" altLang="en-US"/>
               <a:t>第二層</a:t>
             </a:r>
           </a:p>
           <a:p>
             <a:pPr lvl="2"/>
             <a:r>
-              <a:rPr lang="zh-TW" altLang="en-US" smtClean="0"/>
+              <a:rPr lang="zh-TW" altLang="en-US"/>
               <a:t>第三層</a:t>
             </a:r>
           </a:p>
           <a:p>
             <a:pPr lvl="3"/>
             <a:r>
-              <a:rPr lang="zh-TW" altLang="en-US" smtClean="0"/>
+              <a:rPr lang="zh-TW" altLang="en-US"/>
               <a:t>第四層</a:t>
             </a:r>
           </a:p>
           <a:p>
             <a:pPr lvl="4"/>
             <a:r>
-              <a:rPr lang="zh-TW" altLang="en-US" smtClean="0"/>
+              <a:rPr lang="zh-TW" altLang="en-US"/>
               <a:t>第五層</a:t>
             </a:r>
-            <a:endParaRPr lang="zh-TW" altLang="en-US"/>
           </a:p>
         </p:txBody>
       </p:sp>
@@ -2225,7 +2214,7 @@
           <a:p>
             <a:pPr lvl="0"/>
             <a:r>
-              <a:rPr lang="zh-TW" altLang="en-US" smtClean="0"/>
+              <a:rPr lang="zh-TW" altLang="en-US"/>
               <a:t>按一下以編輯母片文字樣式</a:t>
             </a:r>
           </a:p>
@@ -2249,7 +2238,7 @@
             <a:fld id="{210B1242-4DBA-42D6-8BAA-7B0595D9563C}" type="datetimeFigureOut">
               <a:rPr lang="zh-TW" altLang="en-US" smtClean="0"/>
               <a:pPr/>
-              <a:t>2019/10/11</a:t>
+              <a:t>2023/12/30</a:t>
             </a:fld>
             <a:endParaRPr lang="zh-TW" altLang="en-US"/>
           </a:p>
@@ -2348,10 +2337,9 @@
           </a:lstStyle>
           <a:p>
             <a:r>
-              <a:rPr lang="zh-TW" altLang="en-US" smtClean="0"/>
+              <a:rPr lang="zh-TW" altLang="en-US"/>
               <a:t>按一下以編輯母片標題樣式</a:t>
             </a:r>
-            <a:endParaRPr lang="zh-TW" altLang="en-US"/>
           </a:p>
         </p:txBody>
       </p:sp>
@@ -2413,10 +2401,9 @@
           </a:lstStyle>
           <a:p>
             <a:r>
-              <a:rPr lang="zh-TW" altLang="en-US" smtClean="0"/>
+              <a:rPr lang="zh-TW" altLang="en-US"/>
               <a:t>按一下圖示以新增圖片</a:t>
             </a:r>
-            <a:endParaRPr lang="zh-TW" altLang="en-US"/>
           </a:p>
         </p:txBody>
       </p:sp>
@@ -2479,7 +2466,7 @@
           <a:p>
             <a:pPr lvl="0"/>
             <a:r>
-              <a:rPr lang="zh-TW" altLang="en-US" smtClean="0"/>
+              <a:rPr lang="zh-TW" altLang="en-US"/>
               <a:t>按一下以編輯母片文字樣式</a:t>
             </a:r>
           </a:p>
@@ -2503,7 +2490,7 @@
             <a:fld id="{210B1242-4DBA-42D6-8BAA-7B0595D9563C}" type="datetimeFigureOut">
               <a:rPr lang="zh-TW" altLang="en-US" smtClean="0"/>
               <a:pPr/>
-              <a:t>2019/10/11</a:t>
+              <a:t>2023/12/30</a:t>
             </a:fld>
             <a:endParaRPr lang="zh-TW" altLang="en-US"/>
           </a:p>
@@ -2613,10 +2600,9 @@
           <a:lstStyle/>
           <a:p>
             <a:r>
-              <a:rPr lang="zh-TW" altLang="en-US" smtClean="0"/>
+              <a:rPr lang="zh-TW" altLang="en-US"/>
               <a:t>按一下以編輯母片標題樣式</a:t>
             </a:r>
-            <a:endParaRPr lang="zh-TW" altLang="en-US"/>
           </a:p>
         </p:txBody>
       </p:sp>
@@ -2647,38 +2633,37 @@
           <a:p>
             <a:pPr lvl="0"/>
             <a:r>
-              <a:rPr lang="zh-TW" altLang="en-US" smtClean="0"/>
+              <a:rPr lang="zh-TW" altLang="en-US"/>
               <a:t>按一下以編輯母片文字樣式</a:t>
             </a:r>
           </a:p>
           <a:p>
             <a:pPr lvl="1"/>
             <a:r>
-              <a:rPr lang="zh-TW" altLang="en-US" smtClean="0"/>
+              <a:rPr lang="zh-TW" altLang="en-US"/>
               <a:t>第二層</a:t>
             </a:r>
           </a:p>
           <a:p>
             <a:pPr lvl="2"/>
             <a:r>
-              <a:rPr lang="zh-TW" altLang="en-US" smtClean="0"/>
+              <a:rPr lang="zh-TW" altLang="en-US"/>
               <a:t>第三層</a:t>
             </a:r>
           </a:p>
           <a:p>
             <a:pPr lvl="3"/>
             <a:r>
-              <a:rPr lang="zh-TW" altLang="en-US" smtClean="0"/>
+              <a:rPr lang="zh-TW" altLang="en-US"/>
               <a:t>第四層</a:t>
             </a:r>
           </a:p>
           <a:p>
             <a:pPr lvl="4"/>
             <a:r>
-              <a:rPr lang="zh-TW" altLang="en-US" smtClean="0"/>
+              <a:rPr lang="zh-TW" altLang="en-US"/>
               <a:t>第五層</a:t>
             </a:r>
-            <a:endParaRPr lang="zh-TW" altLang="en-US"/>
           </a:p>
         </p:txBody>
       </p:sp>
@@ -2718,7 +2703,7 @@
             <a:fld id="{210B1242-4DBA-42D6-8BAA-7B0595D9563C}" type="datetimeFigureOut">
               <a:rPr lang="zh-TW" altLang="en-US" smtClean="0"/>
               <a:pPr/>
-              <a:t>2019/10/11</a:t>
+              <a:t>2023/12/30</a:t>
             </a:fld>
             <a:endParaRPr lang="zh-TW" altLang="en-US"/>
           </a:p>
@@ -3099,24 +3084,99 @@
             <p:ph type="title"/>
           </p:nvPr>
         </p:nvSpPr>
-        <p:spPr/>
+        <p:spPr>
+          <a:xfrm>
+            <a:off x="0" y="2660915"/>
+            <a:ext cx="12192000" cy="1143000"/>
+          </a:xfrm>
+        </p:spPr>
         <p:txBody>
           <a:bodyPr>
+            <a:noAutofit/>
+          </a:bodyPr>
+          <a:lstStyle/>
+          <a:p>
+            <a:r>
+              <a:rPr lang="zh-TW" altLang="en-US" sz="7200" b="1" i="1" dirty="0">
+                <a:solidFill>
+                  <a:srgbClr val="660033"/>
+                </a:solidFill>
+                <a:effectLst>
+                  <a:outerShdw blurRad="38100" dist="38100" dir="2700000" algn="tl">
+                    <a:srgbClr val="000000">
+                      <a:alpha val="43137"/>
+                    </a:srgbClr>
+                  </a:outerShdw>
+                </a:effectLst>
+                <a:latin typeface="微軟正黑體" pitchFamily="34" charset="-120"/>
+                <a:ea typeface="微軟正黑體" pitchFamily="34" charset="-120"/>
+              </a:rPr>
+              <a:t>當讚美聖父</a:t>
+            </a:r>
+          </a:p>
+        </p:txBody>
+      </p:sp>
+    </p:spTree>
+  </p:cSld>
+  <p:clrMapOvr>
+    <a:masterClrMapping/>
+  </p:clrMapOvr>
+</p:sld>
+</file>
+
+<file path=ppt/slides/slide10.xml><?xml version="1.0" encoding="utf-8"?>
+<p:sld xmlns:a="http://schemas.openxmlformats.org/drawingml/2006/main" xmlns:r="http://schemas.openxmlformats.org/officeDocument/2006/relationships" xmlns:p="http://schemas.openxmlformats.org/presentationml/2006/main">
+  <p:cSld>
+    <p:spTree>
+      <p:nvGrpSpPr>
+        <p:cNvPr id="1" name=""/>
+        <p:cNvGrpSpPr/>
+        <p:nvPr/>
+      </p:nvGrpSpPr>
+      <p:grpSpPr>
+        <a:xfrm>
+          <a:off x="0" y="0"/>
+          <a:ext cx="0" cy="0"/>
+          <a:chOff x="0" y="0"/>
+          <a:chExt cx="0" cy="0"/>
+        </a:xfrm>
+      </p:grpSpPr>
+      <p:sp>
+        <p:nvSpPr>
+          <p:cNvPr id="5" name="內容版面配置區 4"/>
+          <p:cNvSpPr>
+            <a:spLocks noGrp="1"/>
+          </p:cNvSpPr>
+          <p:nvPr>
+            <p:ph idx="1"/>
+          </p:nvPr>
+        </p:nvSpPr>
+        <p:spPr>
+          <a:xfrm>
+            <a:off x="0" y="2084851"/>
+            <a:ext cx="12192000" cy="2404863"/>
+          </a:xfrm>
+        </p:spPr>
+        <p:txBody>
+          <a:bodyPr anchor="ctr">
             <a:normAutofit/>
           </a:bodyPr>
           <a:lstStyle/>
           <a:p>
-            <a:r>
-              <a:rPr lang="zh-TW" altLang="en-US" b="1" dirty="0" smtClean="0">
+            <a:pPr algn="ctr">
+              <a:buNone/>
+            </a:pPr>
+            <a:r>
+              <a:rPr lang="zh-TW" altLang="en-US" sz="6400" b="1" dirty="0">
                 <a:solidFill>
                   <a:srgbClr val="660033"/>
                 </a:solidFill>
                 <a:latin typeface="微軟正黑體" pitchFamily="34" charset="-120"/>
                 <a:ea typeface="微軟正黑體" pitchFamily="34" charset="-120"/>
               </a:rPr>
-              <a:t>當讚美聖父</a:t>
-            </a:r>
-            <a:endParaRPr lang="zh-TW" altLang="en-US" b="1" dirty="0">
+              <a:t>讚美歸於聖父</a:t>
+            </a:r>
+            <a:endParaRPr lang="en-US" altLang="zh-TW" sz="6400" b="1" dirty="0">
               <a:solidFill>
                 <a:srgbClr val="660033"/>
               </a:solidFill>
@@ -3124,54 +3184,21 @@
               <a:ea typeface="微軟正黑體" pitchFamily="34" charset="-120"/>
             </a:endParaRPr>
           </a:p>
-        </p:txBody>
-      </p:sp>
-      <p:sp>
-        <p:nvSpPr>
-          <p:cNvPr id="5" name="內容版面配置區 4"/>
-          <p:cNvSpPr>
-            <a:spLocks noGrp="1"/>
-          </p:cNvSpPr>
-          <p:nvPr>
-            <p:ph idx="1"/>
-          </p:nvPr>
-        </p:nvSpPr>
-        <p:spPr>
-          <a:xfrm>
-            <a:off x="609600" y="1600201"/>
-            <a:ext cx="10972800" cy="5257799"/>
-          </a:xfrm>
-        </p:spPr>
-        <p:txBody>
-          <a:bodyPr>
-            <a:noAutofit/>
-          </a:bodyPr>
-          <a:lstStyle/>
           <a:p>
             <a:pPr algn="ctr">
               <a:buNone/>
             </a:pPr>
             <a:r>
-              <a:rPr lang="zh-TW" altLang="en-US" sz="5400" b="1" dirty="0">
+              <a:rPr lang="zh-TW" altLang="en-US" sz="6400" b="1" dirty="0">
                 <a:solidFill>
                   <a:srgbClr val="660033"/>
                 </a:solidFill>
                 <a:latin typeface="微軟正黑體" pitchFamily="34" charset="-120"/>
                 <a:ea typeface="微軟正黑體" pitchFamily="34" charset="-120"/>
               </a:rPr>
-              <a:t>當讚美</a:t>
-            </a:r>
-            <a:r>
-              <a:rPr lang="zh-TW" altLang="en-US" sz="5400" b="1" dirty="0">
-                <a:solidFill>
-                  <a:srgbClr val="660033"/>
-                </a:solidFill>
-                <a:latin typeface="微軟正黑體" pitchFamily="34" charset="-120"/>
-                <a:ea typeface="微軟正黑體" pitchFamily="34" charset="-120"/>
-              </a:rPr>
-              <a:t>聖父</a:t>
-            </a:r>
-            <a:endParaRPr lang="en-US" altLang="zh-TW" sz="5400" b="1" dirty="0">
+              <a:t>歸於聖子  歸於聖靈</a:t>
+            </a:r>
+            <a:endParaRPr lang="en-US" altLang="zh-TW" sz="6400" b="1" dirty="0">
               <a:solidFill>
                 <a:srgbClr val="660033"/>
               </a:solidFill>
@@ -3179,41 +3206,136 @@
               <a:ea typeface="微軟正黑體" pitchFamily="34" charset="-120"/>
             </a:endParaRPr>
           </a:p>
+        </p:txBody>
+      </p:sp>
+      <p:sp>
+        <p:nvSpPr>
+          <p:cNvPr id="3" name="TextBox 2"/>
+          <p:cNvSpPr txBox="1"/>
+          <p:nvPr/>
+        </p:nvSpPr>
+        <p:spPr>
+          <a:xfrm>
+            <a:off x="0" y="5157193"/>
+            <a:ext cx="12192000" cy="584775"/>
+          </a:xfrm>
+          <a:prstGeom prst="rect">
+            <a:avLst/>
+          </a:prstGeom>
+          <a:noFill/>
+        </p:spPr>
+        <p:txBody>
+          <a:bodyPr wrap="square" rtlCol="0">
+            <a:spAutoFit/>
+          </a:bodyPr>
+          <a:lstStyle/>
+          <a:p>
+            <a:pPr algn="ctr"/>
+            <a:r>
+              <a:rPr lang="en-US" sz="3200" b="1" dirty="0">
+                <a:solidFill>
+                  <a:srgbClr val="660033"/>
+                </a:solidFill>
+                <a:latin typeface="Microsoft JhengHei" panose="020B0604030504040204" pitchFamily="34" charset="-120"/>
+                <a:ea typeface="Microsoft JhengHei" panose="020B0604030504040204" pitchFamily="34" charset="-120"/>
+              </a:rPr>
+              <a:t>( </a:t>
+            </a:r>
+            <a:r>
+              <a:rPr lang="zh-CN" altLang="en-US" sz="3200" b="1" dirty="0">
+                <a:solidFill>
+                  <a:srgbClr val="660033"/>
+                </a:solidFill>
+                <a:latin typeface="Microsoft JhengHei" panose="020B0604030504040204" pitchFamily="34" charset="-120"/>
+                <a:ea typeface="Microsoft JhengHei" panose="020B0604030504040204" pitchFamily="34" charset="-120"/>
+              </a:rPr>
+              <a:t>副歌</a:t>
+            </a:r>
+            <a:r>
+              <a:rPr lang="en-US" sz="3200" b="1" dirty="0">
+                <a:solidFill>
+                  <a:srgbClr val="660033"/>
+                </a:solidFill>
+                <a:latin typeface="Microsoft JhengHei" panose="020B0604030504040204" pitchFamily="34" charset="-120"/>
+                <a:ea typeface="Microsoft JhengHei" panose="020B0604030504040204" pitchFamily="34" charset="-120"/>
+              </a:rPr>
+              <a:t> )</a:t>
+            </a:r>
+            <a:endParaRPr lang="vi-VN" sz="3200" b="1" dirty="0">
+              <a:solidFill>
+                <a:srgbClr val="660033"/>
+              </a:solidFill>
+              <a:ea typeface="Microsoft JhengHei" panose="020B0604030504040204" pitchFamily="34" charset="-120"/>
+            </a:endParaRPr>
+          </a:p>
+        </p:txBody>
+      </p:sp>
+    </p:spTree>
+    <p:extLst>
+      <p:ext uri="{BB962C8B-B14F-4D97-AF65-F5344CB8AC3E}">
+        <p14:creationId xmlns:p14="http://schemas.microsoft.com/office/powerpoint/2010/main" val="1589689358"/>
+      </p:ext>
+    </p:extLst>
+  </p:cSld>
+  <p:clrMapOvr>
+    <a:masterClrMapping/>
+  </p:clrMapOvr>
+</p:sld>
+</file>
+
+<file path=ppt/slides/slide11.xml><?xml version="1.0" encoding="utf-8"?>
+<p:sld xmlns:a="http://schemas.openxmlformats.org/drawingml/2006/main" xmlns:r="http://schemas.openxmlformats.org/officeDocument/2006/relationships" xmlns:p="http://schemas.openxmlformats.org/presentationml/2006/main">
+  <p:cSld>
+    <p:spTree>
+      <p:nvGrpSpPr>
+        <p:cNvPr id="1" name=""/>
+        <p:cNvGrpSpPr/>
+        <p:nvPr/>
+      </p:nvGrpSpPr>
+      <p:grpSpPr>
+        <a:xfrm>
+          <a:off x="0" y="0"/>
+          <a:ext cx="0" cy="0"/>
+          <a:chOff x="0" y="0"/>
+          <a:chExt cx="0" cy="0"/>
+        </a:xfrm>
+      </p:grpSpPr>
+      <p:sp>
+        <p:nvSpPr>
+          <p:cNvPr id="5" name="內容版面配置區 4"/>
+          <p:cNvSpPr>
+            <a:spLocks noGrp="1"/>
+          </p:cNvSpPr>
+          <p:nvPr>
+            <p:ph idx="1"/>
+          </p:nvPr>
+        </p:nvSpPr>
+        <p:spPr>
+          <a:xfrm>
+            <a:off x="0" y="2084851"/>
+            <a:ext cx="12192000" cy="2404863"/>
+          </a:xfrm>
+        </p:spPr>
+        <p:txBody>
+          <a:bodyPr anchor="ctr">
+            <a:normAutofit/>
+          </a:bodyPr>
+          <a:lstStyle/>
           <a:p>
             <a:pPr algn="ctr">
               <a:buNone/>
             </a:pPr>
             <a:r>
-              <a:rPr lang="zh-TW" altLang="en-US" sz="5400" b="1" dirty="0">
+              <a:rPr lang="zh-TW" altLang="en-US" sz="6400" b="1" dirty="0">
                 <a:solidFill>
                   <a:srgbClr val="660033"/>
                 </a:solidFill>
                 <a:latin typeface="微軟正黑體" pitchFamily="34" charset="-120"/>
                 <a:ea typeface="微軟正黑體" pitchFamily="34" charset="-120"/>
               </a:rPr>
-              <a:t>讓</a:t>
-            </a:r>
-            <a:r>
-              <a:rPr lang="zh-TW" altLang="en-US" sz="5400" b="1" dirty="0">
-                <a:solidFill>
-                  <a:srgbClr val="660033"/>
-                </a:solidFill>
-                <a:latin typeface="微軟正黑體" pitchFamily="34" charset="-120"/>
-                <a:ea typeface="微軟正黑體" pitchFamily="34" charset="-120"/>
-              </a:rPr>
-              <a:t>每顆心向祂</a:t>
-            </a:r>
-            <a:r>
-              <a:rPr lang="zh-TW" altLang="en-US" sz="5400" b="1" dirty="0">
-                <a:solidFill>
-                  <a:srgbClr val="660033"/>
-                </a:solidFill>
-                <a:latin typeface="微軟正黑體" pitchFamily="34" charset="-120"/>
-                <a:ea typeface="微軟正黑體" pitchFamily="34" charset="-120"/>
-              </a:rPr>
-              <a:t>謝恩</a:t>
-            </a:r>
-            <a:endParaRPr lang="en-US" altLang="zh-TW" sz="5400" b="1" dirty="0">
+              <a:t>萬國當讚美祂</a:t>
+            </a:r>
+            <a:endParaRPr lang="en-US" altLang="zh-TW" sz="6400" b="1" dirty="0">
               <a:solidFill>
                 <a:srgbClr val="660033"/>
               </a:solidFill>
@@ -3226,36 +3348,146 @@
               <a:buNone/>
             </a:pPr>
             <a:r>
-              <a:rPr lang="zh-TW" altLang="en-US" sz="5400" b="1" dirty="0">
+              <a:rPr lang="zh-TW" altLang="en-US" sz="6400" b="1" dirty="0">
                 <a:solidFill>
                   <a:srgbClr val="660033"/>
                 </a:solidFill>
                 <a:latin typeface="微軟正黑體" pitchFamily="34" charset="-120"/>
                 <a:ea typeface="微軟正黑體" pitchFamily="34" charset="-120"/>
               </a:rPr>
-              <a:t>當</a:t>
-            </a:r>
-            <a:r>
-              <a:rPr lang="zh-TW" altLang="en-US" sz="5400" b="1" dirty="0">
+              <a:t>全世界都因祂歡騰</a:t>
+            </a:r>
+          </a:p>
+        </p:txBody>
+      </p:sp>
+      <p:sp>
+        <p:nvSpPr>
+          <p:cNvPr id="3" name="TextBox 2"/>
+          <p:cNvSpPr txBox="1"/>
+          <p:nvPr/>
+        </p:nvSpPr>
+        <p:spPr>
+          <a:xfrm>
+            <a:off x="0" y="5157193"/>
+            <a:ext cx="12192000" cy="584775"/>
+          </a:xfrm>
+          <a:prstGeom prst="rect">
+            <a:avLst/>
+          </a:prstGeom>
+          <a:noFill/>
+        </p:spPr>
+        <p:txBody>
+          <a:bodyPr wrap="square" rtlCol="0">
+            <a:spAutoFit/>
+          </a:bodyPr>
+          <a:lstStyle/>
+          <a:p>
+            <a:pPr algn="ctr"/>
+            <a:r>
+              <a:rPr lang="en-US" sz="3200" b="1" dirty="0">
+                <a:solidFill>
+                  <a:srgbClr val="660033"/>
+                </a:solidFill>
+                <a:latin typeface="Microsoft JhengHei" panose="020B0604030504040204" pitchFamily="34" charset="-120"/>
+                <a:ea typeface="Microsoft JhengHei" panose="020B0604030504040204" pitchFamily="34" charset="-120"/>
+              </a:rPr>
+              <a:t>( </a:t>
+            </a:r>
+            <a:r>
+              <a:rPr lang="zh-CN" altLang="en-US" sz="3200" b="1" dirty="0">
+                <a:solidFill>
+                  <a:srgbClr val="660033"/>
+                </a:solidFill>
+                <a:latin typeface="Microsoft JhengHei" panose="020B0604030504040204" pitchFamily="34" charset="-120"/>
+                <a:ea typeface="Microsoft JhengHei" panose="020B0604030504040204" pitchFamily="34" charset="-120"/>
+              </a:rPr>
+              <a:t>副歌</a:t>
+            </a:r>
+            <a:r>
+              <a:rPr lang="en-US" sz="3200" b="1" dirty="0">
+                <a:solidFill>
+                  <a:srgbClr val="660033"/>
+                </a:solidFill>
+                <a:latin typeface="Microsoft JhengHei" panose="020B0604030504040204" pitchFamily="34" charset="-120"/>
+                <a:ea typeface="Microsoft JhengHei" panose="020B0604030504040204" pitchFamily="34" charset="-120"/>
+              </a:rPr>
+              <a:t> )</a:t>
+            </a:r>
+            <a:endParaRPr lang="vi-VN" sz="3200" b="1" dirty="0">
+              <a:solidFill>
+                <a:srgbClr val="660033"/>
+              </a:solidFill>
+              <a:ea typeface="Microsoft JhengHei" panose="020B0604030504040204" pitchFamily="34" charset="-120"/>
+            </a:endParaRPr>
+          </a:p>
+        </p:txBody>
+      </p:sp>
+    </p:spTree>
+    <p:extLst>
+      <p:ext uri="{BB962C8B-B14F-4D97-AF65-F5344CB8AC3E}">
+        <p14:creationId xmlns:p14="http://schemas.microsoft.com/office/powerpoint/2010/main" val="546581586"/>
+      </p:ext>
+    </p:extLst>
+  </p:cSld>
+  <p:clrMapOvr>
+    <a:masterClrMapping/>
+  </p:clrMapOvr>
+</p:sld>
+</file>
+
+<file path=ppt/slides/slide12.xml><?xml version="1.0" encoding="utf-8"?>
+<p:sld xmlns:a="http://schemas.openxmlformats.org/drawingml/2006/main" xmlns:r="http://schemas.openxmlformats.org/officeDocument/2006/relationships" xmlns:p="http://schemas.openxmlformats.org/presentationml/2006/main">
+  <p:cSld>
+    <p:spTree>
+      <p:nvGrpSpPr>
+        <p:cNvPr id="1" name=""/>
+        <p:cNvGrpSpPr/>
+        <p:nvPr/>
+      </p:nvGrpSpPr>
+      <p:grpSpPr>
+        <a:xfrm>
+          <a:off x="0" y="0"/>
+          <a:ext cx="0" cy="0"/>
+          <a:chOff x="0" y="0"/>
+          <a:chExt cx="0" cy="0"/>
+        </a:xfrm>
+      </p:grpSpPr>
+      <p:sp>
+        <p:nvSpPr>
+          <p:cNvPr id="5" name="內容版面配置區 4"/>
+          <p:cNvSpPr>
+            <a:spLocks noGrp="1"/>
+          </p:cNvSpPr>
+          <p:nvPr>
+            <p:ph idx="1"/>
+          </p:nvPr>
+        </p:nvSpPr>
+        <p:spPr>
+          <a:xfrm>
+            <a:off x="0" y="2084851"/>
+            <a:ext cx="12192000" cy="2404863"/>
+          </a:xfrm>
+        </p:spPr>
+        <p:txBody>
+          <a:bodyPr anchor="ctr">
+            <a:normAutofit/>
+          </a:bodyPr>
+          <a:lstStyle/>
+          <a:p>
+            <a:pPr algn="ctr">
+              <a:buNone/>
+            </a:pPr>
+            <a:r>
+              <a:rPr lang="zh-TW" altLang="en-US" sz="6400" b="1" dirty="0">
                 <a:solidFill>
                   <a:srgbClr val="660033"/>
                 </a:solidFill>
                 <a:latin typeface="微軟正黑體" pitchFamily="34" charset="-120"/>
                 <a:ea typeface="微軟正黑體" pitchFamily="34" charset="-120"/>
               </a:rPr>
-              <a:t>讚美</a:t>
-            </a:r>
-            <a:r>
-              <a:rPr lang="zh-TW" altLang="en-US" sz="5400" b="1" dirty="0">
-                <a:solidFill>
-                  <a:srgbClr val="660033"/>
-                </a:solidFill>
-                <a:latin typeface="微軟正黑體" pitchFamily="34" charset="-120"/>
-                <a:ea typeface="微軟正黑體" pitchFamily="34" charset="-120"/>
-              </a:rPr>
-              <a:t>聖父</a:t>
-            </a:r>
-            <a:endParaRPr lang="en-US" altLang="zh-TW" sz="5400" b="1" dirty="0">
+              <a:t>榮耀歸於我君王</a:t>
+            </a:r>
+            <a:endParaRPr lang="en-US" altLang="zh-TW" sz="6400" b="1" dirty="0">
               <a:solidFill>
                 <a:srgbClr val="660033"/>
               </a:solidFill>
@@ -3268,36 +3500,16 @@
               <a:buNone/>
             </a:pPr>
             <a:r>
-              <a:rPr lang="zh-TW" altLang="en-US" sz="5400" b="1" dirty="0">
+              <a:rPr lang="zh-TW" altLang="en-US" sz="6400" b="1" dirty="0">
                 <a:solidFill>
                   <a:srgbClr val="660033"/>
                 </a:solidFill>
                 <a:latin typeface="微軟正黑體" pitchFamily="34" charset="-120"/>
                 <a:ea typeface="微軟正黑體" pitchFamily="34" charset="-120"/>
               </a:rPr>
-              <a:t>因</a:t>
-            </a:r>
-            <a:r>
-              <a:rPr lang="zh-TW" altLang="en-US" sz="5400" b="1" dirty="0">
-                <a:solidFill>
-                  <a:srgbClr val="660033"/>
-                </a:solidFill>
-                <a:latin typeface="微軟正黑體" pitchFamily="34" charset="-120"/>
-                <a:ea typeface="微軟正黑體" pitchFamily="34" charset="-120"/>
-              </a:rPr>
-              <a:t>祂永遠憐憫與慈</a:t>
-            </a:r>
-            <a:r>
-              <a:rPr lang="zh-TW" altLang="en-US" sz="5400" b="1" dirty="0">
-                <a:solidFill>
-                  <a:srgbClr val="660033"/>
-                </a:solidFill>
-                <a:latin typeface="微軟正黑體" pitchFamily="34" charset="-120"/>
-                <a:ea typeface="微軟正黑體" pitchFamily="34" charset="-120"/>
-              </a:rPr>
-              <a:t>仁</a:t>
-            </a:r>
-            <a:endParaRPr lang="zh-TW" altLang="en-US" sz="5400" b="1" dirty="0">
+              <a:t>榮耀歸於祂永遠的名</a:t>
+            </a:r>
+            <a:endParaRPr lang="en-US" altLang="zh-TW" sz="6400" b="1" dirty="0">
               <a:solidFill>
                 <a:srgbClr val="660033"/>
               </a:solidFill>
@@ -3307,7 +3519,246 @@
           </a:p>
         </p:txBody>
       </p:sp>
+      <p:sp>
+        <p:nvSpPr>
+          <p:cNvPr id="3" name="TextBox 2"/>
+          <p:cNvSpPr txBox="1"/>
+          <p:nvPr/>
+        </p:nvSpPr>
+        <p:spPr>
+          <a:xfrm>
+            <a:off x="0" y="5157193"/>
+            <a:ext cx="12192000" cy="584775"/>
+          </a:xfrm>
+          <a:prstGeom prst="rect">
+            <a:avLst/>
+          </a:prstGeom>
+          <a:noFill/>
+        </p:spPr>
+        <p:txBody>
+          <a:bodyPr wrap="square" rtlCol="0">
+            <a:spAutoFit/>
+          </a:bodyPr>
+          <a:lstStyle/>
+          <a:p>
+            <a:pPr algn="ctr"/>
+            <a:r>
+              <a:rPr lang="en-US" sz="3200" b="1" dirty="0">
+                <a:solidFill>
+                  <a:srgbClr val="660033"/>
+                </a:solidFill>
+                <a:latin typeface="Microsoft JhengHei" panose="020B0604030504040204" pitchFamily="34" charset="-120"/>
+                <a:ea typeface="Microsoft JhengHei" panose="020B0604030504040204" pitchFamily="34" charset="-120"/>
+              </a:rPr>
+              <a:t>( </a:t>
+            </a:r>
+            <a:r>
+              <a:rPr lang="zh-CN" altLang="en-US" sz="3200" b="1" dirty="0">
+                <a:solidFill>
+                  <a:srgbClr val="660033"/>
+                </a:solidFill>
+                <a:latin typeface="Microsoft JhengHei" panose="020B0604030504040204" pitchFamily="34" charset="-120"/>
+                <a:ea typeface="Microsoft JhengHei" panose="020B0604030504040204" pitchFamily="34" charset="-120"/>
+              </a:rPr>
+              <a:t>副歌</a:t>
+            </a:r>
+            <a:r>
+              <a:rPr lang="en-US" sz="3200" b="1" dirty="0">
+                <a:solidFill>
+                  <a:srgbClr val="660033"/>
+                </a:solidFill>
+                <a:latin typeface="Microsoft JhengHei" panose="020B0604030504040204" pitchFamily="34" charset="-120"/>
+                <a:ea typeface="Microsoft JhengHei" panose="020B0604030504040204" pitchFamily="34" charset="-120"/>
+              </a:rPr>
+              <a:t> )</a:t>
+            </a:r>
+            <a:endParaRPr lang="vi-VN" sz="3200" b="1" dirty="0">
+              <a:solidFill>
+                <a:srgbClr val="660033"/>
+              </a:solidFill>
+              <a:ea typeface="Microsoft JhengHei" panose="020B0604030504040204" pitchFamily="34" charset="-120"/>
+            </a:endParaRPr>
+          </a:p>
+        </p:txBody>
+      </p:sp>
     </p:spTree>
+    <p:extLst>
+      <p:ext uri="{BB962C8B-B14F-4D97-AF65-F5344CB8AC3E}">
+        <p14:creationId xmlns:p14="http://schemas.microsoft.com/office/powerpoint/2010/main" val="600429112"/>
+      </p:ext>
+    </p:extLst>
+  </p:cSld>
+  <p:clrMapOvr>
+    <a:masterClrMapping/>
+  </p:clrMapOvr>
+</p:sld>
+</file>
+
+<file path=ppt/slides/slide13.xml><?xml version="1.0" encoding="utf-8"?>
+<p:sld xmlns:a="http://schemas.openxmlformats.org/drawingml/2006/main" xmlns:r="http://schemas.openxmlformats.org/officeDocument/2006/relationships" xmlns:p="http://schemas.openxmlformats.org/presentationml/2006/main">
+  <p:cSld>
+    <p:spTree>
+      <p:nvGrpSpPr>
+        <p:cNvPr id="1" name=""/>
+        <p:cNvGrpSpPr/>
+        <p:nvPr/>
+      </p:nvGrpSpPr>
+      <p:grpSpPr>
+        <a:xfrm>
+          <a:off x="0" y="0"/>
+          <a:ext cx="0" cy="0"/>
+          <a:chOff x="0" y="0"/>
+          <a:chExt cx="0" cy="0"/>
+        </a:xfrm>
+      </p:grpSpPr>
+      <p:sp>
+        <p:nvSpPr>
+          <p:cNvPr id="5" name="內容版面配置區 4"/>
+          <p:cNvSpPr>
+            <a:spLocks noGrp="1"/>
+          </p:cNvSpPr>
+          <p:nvPr>
+            <p:ph idx="1"/>
+          </p:nvPr>
+        </p:nvSpPr>
+        <p:spPr>
+          <a:xfrm>
+            <a:off x="0" y="2084851"/>
+            <a:ext cx="12192000" cy="2404863"/>
+          </a:xfrm>
+        </p:spPr>
+        <p:txBody>
+          <a:bodyPr anchor="ctr">
+            <a:normAutofit/>
+          </a:bodyPr>
+          <a:lstStyle/>
+          <a:p>
+            <a:pPr algn="ctr">
+              <a:buNone/>
+            </a:pPr>
+            <a:r>
+              <a:rPr lang="zh-TW" altLang="en-US" sz="6400" b="1" dirty="0">
+                <a:solidFill>
+                  <a:srgbClr val="660033"/>
+                </a:solidFill>
+                <a:latin typeface="微軟正黑體" pitchFamily="34" charset="-120"/>
+                <a:ea typeface="微軟正黑體" pitchFamily="34" charset="-120"/>
+              </a:rPr>
+              <a:t>願全地喜悅</a:t>
+            </a:r>
+            <a:r>
+              <a:rPr lang="en-US" altLang="zh-TW" sz="6400" b="1" dirty="0">
+                <a:solidFill>
+                  <a:srgbClr val="660033"/>
+                </a:solidFill>
+                <a:latin typeface="微軟正黑體" pitchFamily="34" charset="-120"/>
+                <a:ea typeface="微軟正黑體" pitchFamily="34" charset="-120"/>
+              </a:rPr>
+              <a:t>  </a:t>
+            </a:r>
+            <a:r>
+              <a:rPr lang="zh-TW" altLang="en-US" sz="6400" b="1" dirty="0">
+                <a:solidFill>
+                  <a:srgbClr val="660033"/>
+                </a:solidFill>
+                <a:latin typeface="微軟正黑體" pitchFamily="34" charset="-120"/>
+                <a:ea typeface="微軟正黑體" pitchFamily="34" charset="-120"/>
+              </a:rPr>
+              <a:t>在祂愛中歡欣</a:t>
+            </a:r>
+            <a:endParaRPr lang="en-US" altLang="zh-TW" sz="6400" b="1" dirty="0">
+              <a:solidFill>
+                <a:srgbClr val="660033"/>
+              </a:solidFill>
+              <a:latin typeface="微軟正黑體" pitchFamily="34" charset="-120"/>
+              <a:ea typeface="微軟正黑體" pitchFamily="34" charset="-120"/>
+            </a:endParaRPr>
+          </a:p>
+          <a:p>
+            <a:pPr algn="ctr">
+              <a:buNone/>
+            </a:pPr>
+            <a:r>
+              <a:rPr lang="zh-TW" altLang="en-US" sz="6400" b="1" dirty="0">
+                <a:solidFill>
+                  <a:srgbClr val="660033"/>
+                </a:solidFill>
+                <a:latin typeface="微軟正黑體" pitchFamily="34" charset="-120"/>
+                <a:ea typeface="微軟正黑體" pitchFamily="34" charset="-120"/>
+              </a:rPr>
+              <a:t>當讚美我主</a:t>
+            </a:r>
+          </a:p>
+        </p:txBody>
+      </p:sp>
+      <p:sp>
+        <p:nvSpPr>
+          <p:cNvPr id="3" name="TextBox 2"/>
+          <p:cNvSpPr txBox="1"/>
+          <p:nvPr/>
+        </p:nvSpPr>
+        <p:spPr>
+          <a:xfrm>
+            <a:off x="0" y="5157193"/>
+            <a:ext cx="12192000" cy="584775"/>
+          </a:xfrm>
+          <a:prstGeom prst="rect">
+            <a:avLst/>
+          </a:prstGeom>
+          <a:noFill/>
+        </p:spPr>
+        <p:txBody>
+          <a:bodyPr wrap="square" rtlCol="0">
+            <a:spAutoFit/>
+          </a:bodyPr>
+          <a:lstStyle/>
+          <a:p>
+            <a:pPr algn="ctr"/>
+            <a:r>
+              <a:rPr lang="en-US" sz="3200" b="1" dirty="0">
+                <a:solidFill>
+                  <a:srgbClr val="660033"/>
+                </a:solidFill>
+                <a:latin typeface="Microsoft JhengHei" panose="020B0604030504040204" pitchFamily="34" charset="-120"/>
+                <a:ea typeface="Microsoft JhengHei" panose="020B0604030504040204" pitchFamily="34" charset="-120"/>
+              </a:rPr>
+              <a:t>( </a:t>
+            </a:r>
+            <a:r>
+              <a:rPr lang="zh-CN" altLang="en-US" sz="3200" b="1" dirty="0">
+                <a:solidFill>
+                  <a:srgbClr val="660033"/>
+                </a:solidFill>
+                <a:latin typeface="Microsoft JhengHei" panose="020B0604030504040204" pitchFamily="34" charset="-120"/>
+                <a:ea typeface="Microsoft JhengHei" panose="020B0604030504040204" pitchFamily="34" charset="-120"/>
+              </a:rPr>
+              <a:t>副歌</a:t>
+            </a:r>
+            <a:r>
+              <a:rPr lang="en-US" sz="3200" b="1" dirty="0">
+                <a:solidFill>
+                  <a:srgbClr val="660033"/>
+                </a:solidFill>
+                <a:latin typeface="Microsoft JhengHei" panose="020B0604030504040204" pitchFamily="34" charset="-120"/>
+                <a:ea typeface="Microsoft JhengHei" panose="020B0604030504040204" pitchFamily="34" charset="-120"/>
+              </a:rPr>
+              <a:t> )</a:t>
+            </a:r>
+            <a:endParaRPr lang="vi-VN" sz="3200" b="1" dirty="0">
+              <a:solidFill>
+                <a:srgbClr val="660033"/>
+              </a:solidFill>
+              <a:ea typeface="Microsoft JhengHei" panose="020B0604030504040204" pitchFamily="34" charset="-120"/>
+            </a:endParaRPr>
+          </a:p>
+        </p:txBody>
+      </p:sp>
+    </p:spTree>
+    <p:extLst>
+      <p:ext uri="{BB962C8B-B14F-4D97-AF65-F5344CB8AC3E}">
+        <p14:creationId xmlns:p14="http://schemas.microsoft.com/office/powerpoint/2010/main" val="1826035654"/>
+      </p:ext>
+    </p:extLst>
   </p:cSld>
   <p:clrMapOvr>
     <a:masterClrMapping/>
@@ -3334,23 +3785,31 @@
       </p:grpSpPr>
       <p:sp>
         <p:nvSpPr>
-          <p:cNvPr id="4" name="標題 3"/>
-          <p:cNvSpPr>
-            <a:spLocks noGrp="1"/>
-          </p:cNvSpPr>
-          <p:nvPr>
-            <p:ph type="title"/>
-          </p:nvPr>
-        </p:nvSpPr>
-        <p:spPr/>
-        <p:txBody>
-          <a:bodyPr>
+          <p:cNvPr id="5" name="內容版面配置區 4"/>
+          <p:cNvSpPr>
+            <a:spLocks noGrp="1"/>
+          </p:cNvSpPr>
+          <p:nvPr>
+            <p:ph idx="1"/>
+          </p:nvPr>
+        </p:nvSpPr>
+        <p:spPr>
+          <a:xfrm>
+            <a:off x="0" y="2084851"/>
+            <a:ext cx="12192000" cy="2404863"/>
+          </a:xfrm>
+        </p:spPr>
+        <p:txBody>
+          <a:bodyPr anchor="ctr">
             <a:normAutofit/>
           </a:bodyPr>
           <a:lstStyle/>
           <a:p>
-            <a:r>
-              <a:rPr lang="zh-TW" altLang="en-US" b="1" dirty="0" smtClean="0">
+            <a:pPr algn="ctr">
+              <a:buNone/>
+            </a:pPr>
+            <a:r>
+              <a:rPr lang="zh-TW" altLang="en-US" sz="6400" b="1" dirty="0">
                 <a:solidFill>
                   <a:srgbClr val="660033"/>
                 </a:solidFill>
@@ -3359,7 +3818,7 @@
               </a:rPr>
               <a:t>當讚美聖父</a:t>
             </a:r>
-            <a:endParaRPr lang="zh-TW" altLang="en-US" b="1" dirty="0">
+            <a:endParaRPr lang="en-US" altLang="zh-TW" sz="6400" b="1" dirty="0">
               <a:solidFill>
                 <a:srgbClr val="660033"/>
               </a:solidFill>
@@ -3367,49 +3826,21 @@
               <a:ea typeface="微軟正黑體" pitchFamily="34" charset="-120"/>
             </a:endParaRPr>
           </a:p>
-        </p:txBody>
-      </p:sp>
-      <p:sp>
-        <p:nvSpPr>
-          <p:cNvPr id="5" name="內容版面配置區 4"/>
-          <p:cNvSpPr>
-            <a:spLocks noGrp="1"/>
-          </p:cNvSpPr>
-          <p:nvPr>
-            <p:ph idx="1"/>
-          </p:nvPr>
-        </p:nvSpPr>
-        <p:spPr/>
-        <p:txBody>
-          <a:bodyPr>
-            <a:noAutofit/>
-          </a:bodyPr>
-          <a:lstStyle/>
           <a:p>
             <a:pPr algn="ctr">
               <a:buNone/>
             </a:pPr>
             <a:r>
-              <a:rPr lang="zh-TW" altLang="en-US" sz="5400" b="1" dirty="0">
+              <a:rPr lang="zh-TW" altLang="en-US" sz="6400" b="1" dirty="0">
                 <a:solidFill>
                   <a:srgbClr val="660033"/>
                 </a:solidFill>
                 <a:latin typeface="微軟正黑體" pitchFamily="34" charset="-120"/>
                 <a:ea typeface="微軟正黑體" pitchFamily="34" charset="-120"/>
               </a:rPr>
-              <a:t>當讚美</a:t>
-            </a:r>
-            <a:r>
-              <a:rPr lang="zh-TW" altLang="en-US" sz="5400" b="1" dirty="0">
-                <a:solidFill>
-                  <a:srgbClr val="660033"/>
-                </a:solidFill>
-                <a:latin typeface="微軟正黑體" pitchFamily="34" charset="-120"/>
-                <a:ea typeface="微軟正黑體" pitchFamily="34" charset="-120"/>
-              </a:rPr>
-              <a:t>聖父</a:t>
-            </a:r>
-            <a:endParaRPr lang="en-US" altLang="zh-TW" sz="5400" b="1" dirty="0">
+              <a:t>讓每顆心向祂謝恩</a:t>
+            </a:r>
+            <a:endParaRPr lang="en-US" altLang="zh-TW" sz="6400" b="1" dirty="0">
               <a:solidFill>
                 <a:srgbClr val="660033"/>
               </a:solidFill>
@@ -3417,114 +3848,67 @@
               <a:ea typeface="微軟正黑體" pitchFamily="34" charset="-120"/>
             </a:endParaRPr>
           </a:p>
-          <a:p>
-            <a:pPr algn="ctr">
-              <a:buNone/>
-            </a:pPr>
-            <a:r>
-              <a:rPr lang="zh-TW" altLang="en-US" sz="5400" b="1" dirty="0">
-                <a:solidFill>
-                  <a:srgbClr val="660033"/>
-                </a:solidFill>
-                <a:latin typeface="微軟正黑體" pitchFamily="34" charset="-120"/>
-                <a:ea typeface="微軟正黑體" pitchFamily="34" charset="-120"/>
-              </a:rPr>
-              <a:t>麻雀</a:t>
-            </a:r>
-            <a:r>
-              <a:rPr lang="zh-TW" altLang="en-US" sz="5400" b="1" dirty="0">
-                <a:solidFill>
-                  <a:srgbClr val="660033"/>
-                </a:solidFill>
-                <a:latin typeface="微軟正黑體" pitchFamily="34" charset="-120"/>
-                <a:ea typeface="微軟正黑體" pitchFamily="34" charset="-120"/>
-              </a:rPr>
-              <a:t>跌下祂也</a:t>
-            </a:r>
-            <a:r>
-              <a:rPr lang="zh-TW" altLang="en-US" sz="5400" b="1" dirty="0">
-                <a:solidFill>
-                  <a:srgbClr val="660033"/>
-                </a:solidFill>
-                <a:latin typeface="微軟正黑體" pitchFamily="34" charset="-120"/>
-                <a:ea typeface="微軟正黑體" pitchFamily="34" charset="-120"/>
-              </a:rPr>
-              <a:t>顧念</a:t>
-            </a:r>
-            <a:endParaRPr lang="en-US" altLang="zh-TW" sz="5400" b="1" dirty="0">
+        </p:txBody>
+      </p:sp>
+      <p:sp>
+        <p:nvSpPr>
+          <p:cNvPr id="3" name="TextBox 2"/>
+          <p:cNvSpPr txBox="1"/>
+          <p:nvPr/>
+        </p:nvSpPr>
+        <p:spPr>
+          <a:xfrm>
+            <a:off x="0" y="5157193"/>
+            <a:ext cx="12192000" cy="584775"/>
+          </a:xfrm>
+          <a:prstGeom prst="rect">
+            <a:avLst/>
+          </a:prstGeom>
+          <a:noFill/>
+        </p:spPr>
+        <p:txBody>
+          <a:bodyPr wrap="square" rtlCol="0">
+            <a:spAutoFit/>
+          </a:bodyPr>
+          <a:lstStyle/>
+          <a:p>
+            <a:pPr algn="ctr"/>
+            <a:r>
+              <a:rPr lang="en-US" sz="3200" b="1" dirty="0">
+                <a:solidFill>
+                  <a:srgbClr val="660033"/>
+                </a:solidFill>
+                <a:latin typeface="Microsoft JhengHei" panose="020B0604030504040204" pitchFamily="34" charset="-120"/>
+                <a:ea typeface="Microsoft JhengHei" panose="020B0604030504040204" pitchFamily="34" charset="-120"/>
+              </a:rPr>
+              <a:t>( </a:t>
+            </a:r>
+            <a:r>
+              <a:rPr lang="zh-CN" altLang="en-US" sz="3200" b="1" dirty="0">
+                <a:solidFill>
+                  <a:srgbClr val="660033"/>
+                </a:solidFill>
+                <a:latin typeface="Microsoft JhengHei" panose="020B0604030504040204" pitchFamily="34" charset="-120"/>
+                <a:ea typeface="Microsoft JhengHei" panose="020B0604030504040204" pitchFamily="34" charset="-120"/>
+              </a:rPr>
+              <a:t>正歌</a:t>
+            </a:r>
+            <a:r>
+              <a:rPr lang="en-US" sz="3200" b="1" dirty="0">
+                <a:solidFill>
+                  <a:srgbClr val="660033"/>
+                </a:solidFill>
+                <a:latin typeface="Microsoft JhengHei" panose="020B0604030504040204" pitchFamily="34" charset="-120"/>
+                <a:ea typeface="Microsoft JhengHei" panose="020B0604030504040204" pitchFamily="34" charset="-120"/>
+              </a:rPr>
+              <a:t> )</a:t>
+            </a:r>
+            <a:endParaRPr lang="vi-VN" sz="3200" b="1" dirty="0">
               <a:solidFill>
                 <a:srgbClr val="660033"/>
               </a:solidFill>
-              <a:latin typeface="微軟正黑體" pitchFamily="34" charset="-120"/>
-              <a:ea typeface="微軟正黑體" pitchFamily="34" charset="-120"/>
+              <a:ea typeface="Microsoft JhengHei" panose="020B0604030504040204" pitchFamily="34" charset="-120"/>
             </a:endParaRPr>
-          </a:p>
-          <a:p>
-            <a:pPr algn="ctr">
-              <a:buNone/>
-            </a:pPr>
-            <a:r>
-              <a:rPr lang="zh-TW" altLang="en-US" sz="5400" b="1" dirty="0">
-                <a:solidFill>
-                  <a:srgbClr val="660033"/>
-                </a:solidFill>
-                <a:latin typeface="微軟正黑體" pitchFamily="34" charset="-120"/>
-                <a:ea typeface="微軟正黑體" pitchFamily="34" charset="-120"/>
-              </a:rPr>
-              <a:t>榮耀</a:t>
-            </a:r>
-            <a:r>
-              <a:rPr lang="zh-TW" altLang="en-US" sz="5400" b="1" dirty="0">
-                <a:solidFill>
-                  <a:srgbClr val="660033"/>
-                </a:solidFill>
-                <a:latin typeface="微軟正黑體" pitchFamily="34" charset="-120"/>
-                <a:ea typeface="微軟正黑體" pitchFamily="34" charset="-120"/>
-              </a:rPr>
-              <a:t>的王</a:t>
-            </a:r>
-            <a:r>
-              <a:rPr lang="zh-TW" altLang="en-US" sz="5400" b="1" dirty="0">
-                <a:solidFill>
-                  <a:srgbClr val="660033"/>
-                </a:solidFill>
-                <a:latin typeface="微軟正黑體" pitchFamily="34" charset="-120"/>
-                <a:ea typeface="微軟正黑體" pitchFamily="34" charset="-120"/>
-              </a:rPr>
-              <a:t>啊</a:t>
-            </a:r>
-            <a:endParaRPr lang="en-US" altLang="zh-TW" sz="5400" b="1" dirty="0">
-              <a:solidFill>
-                <a:srgbClr val="660033"/>
-              </a:solidFill>
-              <a:latin typeface="微軟正黑體" pitchFamily="34" charset="-120"/>
-              <a:ea typeface="微軟正黑體" pitchFamily="34" charset="-120"/>
-            </a:endParaRPr>
-          </a:p>
-          <a:p>
-            <a:pPr algn="ctr">
-              <a:buNone/>
-            </a:pPr>
-            <a:r>
-              <a:rPr lang="zh-TW" altLang="en-US" sz="5400" b="1" dirty="0">
-                <a:solidFill>
-                  <a:srgbClr val="660033"/>
-                </a:solidFill>
-                <a:latin typeface="微軟正黑體" pitchFamily="34" charset="-120"/>
-                <a:ea typeface="微軟正黑體" pitchFamily="34" charset="-120"/>
-              </a:rPr>
-              <a:t>讓</a:t>
-            </a:r>
-            <a:r>
-              <a:rPr lang="zh-TW" altLang="en-US" sz="5400" b="1" dirty="0">
-                <a:solidFill>
-                  <a:srgbClr val="660033"/>
-                </a:solidFill>
-                <a:latin typeface="微軟正黑體" pitchFamily="34" charset="-120"/>
-                <a:ea typeface="微軟正黑體" pitchFamily="34" charset="-120"/>
-              </a:rPr>
-              <a:t>全地宣揚祢的威嚴</a:t>
-            </a:r>
           </a:p>
         </p:txBody>
       </p:sp>
@@ -3555,23 +3939,31 @@
       </p:grpSpPr>
       <p:sp>
         <p:nvSpPr>
-          <p:cNvPr id="4" name="標題 3"/>
-          <p:cNvSpPr>
-            <a:spLocks noGrp="1"/>
-          </p:cNvSpPr>
-          <p:nvPr>
-            <p:ph type="title"/>
-          </p:nvPr>
-        </p:nvSpPr>
-        <p:spPr/>
-        <p:txBody>
-          <a:bodyPr>
+          <p:cNvPr id="5" name="內容版面配置區 4"/>
+          <p:cNvSpPr>
+            <a:spLocks noGrp="1"/>
+          </p:cNvSpPr>
+          <p:nvPr>
+            <p:ph idx="1"/>
+          </p:nvPr>
+        </p:nvSpPr>
+        <p:spPr>
+          <a:xfrm>
+            <a:off x="0" y="2084851"/>
+            <a:ext cx="12192000" cy="2404863"/>
+          </a:xfrm>
+        </p:spPr>
+        <p:txBody>
+          <a:bodyPr anchor="ctr">
             <a:normAutofit/>
           </a:bodyPr>
           <a:lstStyle/>
           <a:p>
-            <a:r>
-              <a:rPr lang="zh-TW" altLang="en-US" b="1" dirty="0" smtClean="0">
+            <a:pPr algn="ctr">
+              <a:buNone/>
+            </a:pPr>
+            <a:r>
+              <a:rPr lang="zh-TW" altLang="en-US" sz="6400" b="1" dirty="0">
                 <a:solidFill>
                   <a:srgbClr val="660033"/>
                 </a:solidFill>
@@ -3580,7 +3972,7 @@
               </a:rPr>
               <a:t>當讚美聖父</a:t>
             </a:r>
-            <a:endParaRPr lang="zh-TW" altLang="en-US" b="1" dirty="0">
+            <a:endParaRPr lang="en-US" altLang="zh-TW" sz="6400" b="1" dirty="0">
               <a:solidFill>
                 <a:srgbClr val="660033"/>
               </a:solidFill>
@@ -3588,168 +3980,91 @@
               <a:ea typeface="微軟正黑體" pitchFamily="34" charset="-120"/>
             </a:endParaRPr>
           </a:p>
-        </p:txBody>
-      </p:sp>
-      <p:sp>
-        <p:nvSpPr>
-          <p:cNvPr id="5" name="內容版面配置區 4"/>
-          <p:cNvSpPr>
-            <a:spLocks noGrp="1"/>
-          </p:cNvSpPr>
-          <p:nvPr>
-            <p:ph idx="1"/>
-          </p:nvPr>
-        </p:nvSpPr>
-        <p:spPr/>
-        <p:txBody>
-          <a:bodyPr>
-            <a:noAutofit/>
-          </a:bodyPr>
-          <a:lstStyle/>
           <a:p>
             <a:pPr algn="ctr">
               <a:buNone/>
             </a:pPr>
             <a:r>
-              <a:rPr lang="zh-TW" altLang="en-US" sz="5400" b="1" dirty="0">
+              <a:rPr lang="zh-TW" altLang="en-US" sz="6400" b="1" dirty="0">
                 <a:solidFill>
                   <a:srgbClr val="660033"/>
                 </a:solidFill>
                 <a:latin typeface="微軟正黑體" pitchFamily="34" charset="-120"/>
                 <a:ea typeface="微軟正黑體" pitchFamily="34" charset="-120"/>
               </a:rPr>
-              <a:t>要頌讚</a:t>
-            </a:r>
-            <a:r>
-              <a:rPr lang="zh-TW" altLang="en-US" sz="5400" b="1" dirty="0">
-                <a:solidFill>
-                  <a:srgbClr val="660033"/>
-                </a:solidFill>
-                <a:latin typeface="微軟正黑體" pitchFamily="34" charset="-120"/>
-                <a:ea typeface="微軟正黑體" pitchFamily="34" charset="-120"/>
-              </a:rPr>
-              <a:t>主</a:t>
-            </a:r>
-            <a:endParaRPr lang="en-US" altLang="zh-TW" sz="5400" b="1" dirty="0">
+              <a:t>因祂永遠憐憫與慈仁</a:t>
+            </a:r>
+          </a:p>
+        </p:txBody>
+      </p:sp>
+      <p:sp>
+        <p:nvSpPr>
+          <p:cNvPr id="3" name="TextBox 2"/>
+          <p:cNvSpPr txBox="1"/>
+          <p:nvPr/>
+        </p:nvSpPr>
+        <p:spPr>
+          <a:xfrm>
+            <a:off x="0" y="5157193"/>
+            <a:ext cx="12192000" cy="584775"/>
+          </a:xfrm>
+          <a:prstGeom prst="rect">
+            <a:avLst/>
+          </a:prstGeom>
+          <a:noFill/>
+        </p:spPr>
+        <p:txBody>
+          <a:bodyPr wrap="square" rtlCol="0">
+            <a:spAutoFit/>
+          </a:bodyPr>
+          <a:lstStyle/>
+          <a:p>
+            <a:pPr algn="ctr"/>
+            <a:r>
+              <a:rPr lang="en-US" sz="3200" b="1" dirty="0">
+                <a:solidFill>
+                  <a:srgbClr val="660033"/>
+                </a:solidFill>
+                <a:latin typeface="Microsoft JhengHei" panose="020B0604030504040204" pitchFamily="34" charset="-120"/>
+                <a:ea typeface="Microsoft JhengHei" panose="020B0604030504040204" pitchFamily="34" charset="-120"/>
+              </a:rPr>
+              <a:t>( </a:t>
+            </a:r>
+            <a:r>
+              <a:rPr lang="zh-CN" altLang="en-US" sz="3200" b="1" dirty="0">
+                <a:solidFill>
+                  <a:srgbClr val="660033"/>
+                </a:solidFill>
+                <a:latin typeface="Microsoft JhengHei" panose="020B0604030504040204" pitchFamily="34" charset="-120"/>
+                <a:ea typeface="Microsoft JhengHei" panose="020B0604030504040204" pitchFamily="34" charset="-120"/>
+              </a:rPr>
+              <a:t>正歌</a:t>
+            </a:r>
+            <a:r>
+              <a:rPr lang="en-US" sz="3200" b="1" dirty="0">
+                <a:solidFill>
+                  <a:srgbClr val="660033"/>
+                </a:solidFill>
+                <a:latin typeface="Microsoft JhengHei" panose="020B0604030504040204" pitchFamily="34" charset="-120"/>
+                <a:ea typeface="Microsoft JhengHei" panose="020B0604030504040204" pitchFamily="34" charset="-120"/>
+              </a:rPr>
+              <a:t> )</a:t>
+            </a:r>
+            <a:endParaRPr lang="vi-VN" sz="3200" b="1" dirty="0">
               <a:solidFill>
                 <a:srgbClr val="660033"/>
               </a:solidFill>
-              <a:latin typeface="微軟正黑體" pitchFamily="34" charset="-120"/>
-              <a:ea typeface="微軟正黑體" pitchFamily="34" charset="-120"/>
+              <a:ea typeface="Microsoft JhengHei" panose="020B0604030504040204" pitchFamily="34" charset="-120"/>
             </a:endParaRPr>
           </a:p>
-          <a:p>
-            <a:pPr algn="ctr">
-              <a:buNone/>
-            </a:pPr>
-            <a:r>
-              <a:rPr lang="zh-TW" altLang="en-US" sz="5400" b="1" dirty="0">
-                <a:solidFill>
-                  <a:srgbClr val="660033"/>
-                </a:solidFill>
-                <a:latin typeface="微軟正黑體" pitchFamily="34" charset="-120"/>
-                <a:ea typeface="微軟正黑體" pitchFamily="34" charset="-120"/>
-              </a:rPr>
-              <a:t>同聲</a:t>
-            </a:r>
-            <a:r>
-              <a:rPr lang="zh-TW" altLang="en-US" sz="5400" b="1" dirty="0">
-                <a:solidFill>
-                  <a:srgbClr val="660033"/>
-                </a:solidFill>
-                <a:latin typeface="微軟正黑體" pitchFamily="34" charset="-120"/>
-                <a:ea typeface="微軟正黑體" pitchFamily="34" charset="-120"/>
-              </a:rPr>
-              <a:t>傳揚祂</a:t>
-            </a:r>
-            <a:r>
-              <a:rPr lang="zh-TW" altLang="en-US" sz="5400" b="1" dirty="0">
-                <a:solidFill>
-                  <a:srgbClr val="660033"/>
-                </a:solidFill>
-                <a:latin typeface="微軟正黑體" pitchFamily="34" charset="-120"/>
-                <a:ea typeface="微軟正黑體" pitchFamily="34" charset="-120"/>
-              </a:rPr>
-              <a:t>權能</a:t>
-            </a:r>
-            <a:endParaRPr lang="en-US" altLang="zh-TW" sz="5400" b="1" dirty="0">
-              <a:solidFill>
-                <a:srgbClr val="660033"/>
-              </a:solidFill>
-              <a:latin typeface="微軟正黑體" pitchFamily="34" charset="-120"/>
-              <a:ea typeface="微軟正黑體" pitchFamily="34" charset="-120"/>
-            </a:endParaRPr>
-          </a:p>
-          <a:p>
-            <a:pPr algn="ctr">
-              <a:buNone/>
-            </a:pPr>
-            <a:r>
-              <a:rPr lang="zh-TW" altLang="en-US" sz="5400" b="1" dirty="0">
-                <a:solidFill>
-                  <a:srgbClr val="660033"/>
-                </a:solidFill>
-                <a:latin typeface="微軟正黑體" pitchFamily="34" charset="-120"/>
-                <a:ea typeface="微軟正黑體" pitchFamily="34" charset="-120"/>
-              </a:rPr>
-              <a:t>祂</a:t>
-            </a:r>
-            <a:r>
-              <a:rPr lang="zh-TW" altLang="en-US" sz="5400" b="1" dirty="0">
-                <a:solidFill>
-                  <a:srgbClr val="660033"/>
-                </a:solidFill>
-                <a:latin typeface="微軟正黑體" pitchFamily="34" charset="-120"/>
-                <a:ea typeface="微軟正黑體" pitchFamily="34" charset="-120"/>
-              </a:rPr>
-              <a:t>帶喜樂給</a:t>
-            </a:r>
-            <a:r>
-              <a:rPr lang="zh-TW" altLang="en-US" sz="5400" b="1" dirty="0">
-                <a:solidFill>
-                  <a:srgbClr val="660033"/>
-                </a:solidFill>
-                <a:latin typeface="微軟正黑體" pitchFamily="34" charset="-120"/>
-                <a:ea typeface="微軟正黑體" pitchFamily="34" charset="-120"/>
-              </a:rPr>
-              <a:t>世人</a:t>
-            </a:r>
-            <a:endParaRPr lang="en-US" altLang="zh-TW" sz="5400" b="1" dirty="0">
-              <a:solidFill>
-                <a:srgbClr val="660033"/>
-              </a:solidFill>
-              <a:latin typeface="微軟正黑體" pitchFamily="34" charset="-120"/>
-              <a:ea typeface="微軟正黑體" pitchFamily="34" charset="-120"/>
-            </a:endParaRPr>
-          </a:p>
-          <a:p>
-            <a:pPr algn="ctr">
-              <a:buNone/>
-            </a:pPr>
-            <a:r>
-              <a:rPr lang="zh-TW" altLang="en-US" sz="5400" b="1" dirty="0">
-                <a:solidFill>
-                  <a:srgbClr val="660033"/>
-                </a:solidFill>
-                <a:latin typeface="微軟正黑體" pitchFamily="34" charset="-120"/>
-                <a:ea typeface="微軟正黑體" pitchFamily="34" charset="-120"/>
-              </a:rPr>
-              <a:t>祂</a:t>
-            </a:r>
-            <a:r>
-              <a:rPr lang="zh-TW" altLang="en-US" sz="5400" b="1" dirty="0">
-                <a:solidFill>
-                  <a:srgbClr val="660033"/>
-                </a:solidFill>
-                <a:latin typeface="微軟正黑體" pitchFamily="34" charset="-120"/>
-                <a:ea typeface="微軟正黑體" pitchFamily="34" charset="-120"/>
-              </a:rPr>
-              <a:t>賜下大憐憫世世無窮</a:t>
-            </a:r>
-          </a:p>
         </p:txBody>
       </p:sp>
     </p:spTree>
+    <p:extLst>
+      <p:ext uri="{BB962C8B-B14F-4D97-AF65-F5344CB8AC3E}">
+        <p14:creationId xmlns:p14="http://schemas.microsoft.com/office/powerpoint/2010/main" val="1312358794"/>
+      </p:ext>
+    </p:extLst>
   </p:cSld>
   <p:clrMapOvr>
     <a:masterClrMapping/>
@@ -3776,23 +4091,31 @@
       </p:grpSpPr>
       <p:sp>
         <p:nvSpPr>
-          <p:cNvPr id="4" name="標題 3"/>
-          <p:cNvSpPr>
-            <a:spLocks noGrp="1"/>
-          </p:cNvSpPr>
-          <p:nvPr>
-            <p:ph type="title"/>
-          </p:nvPr>
-        </p:nvSpPr>
-        <p:spPr/>
-        <p:txBody>
-          <a:bodyPr>
+          <p:cNvPr id="5" name="內容版面配置區 4"/>
+          <p:cNvSpPr>
+            <a:spLocks noGrp="1"/>
+          </p:cNvSpPr>
+          <p:nvPr>
+            <p:ph idx="1"/>
+          </p:nvPr>
+        </p:nvSpPr>
+        <p:spPr>
+          <a:xfrm>
+            <a:off x="0" y="2084851"/>
+            <a:ext cx="12192000" cy="2404863"/>
+          </a:xfrm>
+        </p:spPr>
+        <p:txBody>
+          <a:bodyPr anchor="ctr">
             <a:normAutofit/>
           </a:bodyPr>
           <a:lstStyle/>
           <a:p>
-            <a:r>
-              <a:rPr lang="zh-TW" altLang="en-US" b="1" dirty="0" smtClean="0">
+            <a:pPr algn="ctr">
+              <a:buNone/>
+            </a:pPr>
+            <a:r>
+              <a:rPr lang="zh-TW" altLang="en-US" sz="6400" b="1" dirty="0">
                 <a:solidFill>
                   <a:srgbClr val="660033"/>
                 </a:solidFill>
@@ -3801,7 +4124,7 @@
               </a:rPr>
               <a:t>當讚美聖父</a:t>
             </a:r>
-            <a:endParaRPr lang="zh-TW" altLang="en-US" b="1" dirty="0">
+            <a:endParaRPr lang="en-US" altLang="zh-TW" sz="6400" b="1" dirty="0">
               <a:solidFill>
                 <a:srgbClr val="660033"/>
               </a:solidFill>
@@ -3809,54 +4132,21 @@
               <a:ea typeface="微軟正黑體" pitchFamily="34" charset="-120"/>
             </a:endParaRPr>
           </a:p>
-        </p:txBody>
-      </p:sp>
-      <p:sp>
-        <p:nvSpPr>
-          <p:cNvPr id="5" name="內容版面配置區 4"/>
-          <p:cNvSpPr>
-            <a:spLocks noGrp="1"/>
-          </p:cNvSpPr>
-          <p:nvPr>
-            <p:ph idx="1"/>
-          </p:nvPr>
-        </p:nvSpPr>
-        <p:spPr>
-          <a:xfrm>
-            <a:off x="1524000" y="1600201"/>
-            <a:ext cx="9144000" cy="4525963"/>
-          </a:xfrm>
-        </p:spPr>
-        <p:txBody>
-          <a:bodyPr>
-            <a:noAutofit/>
-          </a:bodyPr>
-          <a:lstStyle/>
           <a:p>
             <a:pPr algn="ctr">
               <a:buNone/>
             </a:pPr>
             <a:r>
-              <a:rPr lang="zh-TW" altLang="en-US" sz="5400" b="1" dirty="0">
+              <a:rPr lang="zh-TW" altLang="en-US" sz="6400" b="1" dirty="0">
                 <a:solidFill>
                   <a:srgbClr val="660033"/>
                 </a:solidFill>
                 <a:latin typeface="微軟正黑體" pitchFamily="34" charset="-120"/>
                 <a:ea typeface="微軟正黑體" pitchFamily="34" charset="-120"/>
               </a:rPr>
-              <a:t>祂創造全世界和天上的萬</a:t>
-            </a:r>
-            <a:r>
-              <a:rPr lang="zh-TW" altLang="en-US" sz="5400" b="1" dirty="0">
-                <a:solidFill>
-                  <a:srgbClr val="660033"/>
-                </a:solidFill>
-                <a:latin typeface="微軟正黑體" pitchFamily="34" charset="-120"/>
-                <a:ea typeface="微軟正黑體" pitchFamily="34" charset="-120"/>
-              </a:rPr>
-              <a:t>有</a:t>
-            </a:r>
-            <a:endParaRPr lang="en-US" altLang="zh-TW" sz="5400" b="1" dirty="0">
+              <a:t>麻雀跌下祂也顧念</a:t>
+            </a:r>
+            <a:endParaRPr lang="en-US" altLang="zh-TW" sz="6400" b="1" dirty="0">
               <a:solidFill>
                 <a:srgbClr val="660033"/>
               </a:solidFill>
@@ -3864,118 +4154,76 @@
               <a:ea typeface="微軟正黑體" pitchFamily="34" charset="-120"/>
             </a:endParaRPr>
           </a:p>
-          <a:p>
-            <a:pPr algn="ctr">
-              <a:buNone/>
-            </a:pPr>
-            <a:r>
-              <a:rPr lang="zh-TW" altLang="en-US" sz="5400" b="1" dirty="0">
-                <a:solidFill>
-                  <a:srgbClr val="660033"/>
-                </a:solidFill>
-                <a:latin typeface="微軟正黑體" pitchFamily="34" charset="-120"/>
-                <a:ea typeface="微軟正黑體" pitchFamily="34" charset="-120"/>
-              </a:rPr>
-              <a:t>以</a:t>
-            </a:r>
-            <a:r>
-              <a:rPr lang="zh-TW" altLang="en-US" sz="5400" b="1" dirty="0">
-                <a:solidFill>
-                  <a:srgbClr val="660033"/>
-                </a:solidFill>
-                <a:latin typeface="微軟正黑體" pitchFamily="34" charset="-120"/>
-                <a:ea typeface="微軟正黑體" pitchFamily="34" charset="-120"/>
-              </a:rPr>
-              <a:t>能力和</a:t>
-            </a:r>
-            <a:r>
-              <a:rPr lang="zh-TW" altLang="en-US" sz="5400" b="1" dirty="0">
-                <a:solidFill>
-                  <a:srgbClr val="660033"/>
-                </a:solidFill>
-                <a:latin typeface="微軟正黑體" pitchFamily="34" charset="-120"/>
-                <a:ea typeface="微軟正黑體" pitchFamily="34" charset="-120"/>
-              </a:rPr>
-              <a:t>慈愛</a:t>
-            </a:r>
-            <a:endParaRPr lang="en-US" altLang="zh-TW" sz="5400" b="1" dirty="0">
+        </p:txBody>
+      </p:sp>
+      <p:sp>
+        <p:nvSpPr>
+          <p:cNvPr id="3" name="TextBox 2"/>
+          <p:cNvSpPr txBox="1"/>
+          <p:nvPr/>
+        </p:nvSpPr>
+        <p:spPr>
+          <a:xfrm>
+            <a:off x="0" y="5157193"/>
+            <a:ext cx="12192000" cy="584775"/>
+          </a:xfrm>
+          <a:prstGeom prst="rect">
+            <a:avLst/>
+          </a:prstGeom>
+          <a:noFill/>
+        </p:spPr>
+        <p:txBody>
+          <a:bodyPr wrap="square" rtlCol="0">
+            <a:spAutoFit/>
+          </a:bodyPr>
+          <a:lstStyle/>
+          <a:p>
+            <a:pPr algn="ctr"/>
+            <a:r>
+              <a:rPr lang="en-US" sz="3200" b="1" dirty="0">
+                <a:solidFill>
+                  <a:srgbClr val="660033"/>
+                </a:solidFill>
+                <a:latin typeface="Microsoft JhengHei" panose="020B0604030504040204" pitchFamily="34" charset="-120"/>
+                <a:ea typeface="Microsoft JhengHei" panose="020B0604030504040204" pitchFamily="34" charset="-120"/>
+              </a:rPr>
+              <a:t>( </a:t>
+            </a:r>
+            <a:r>
+              <a:rPr lang="zh-CN" altLang="en-US" sz="3200" b="1" dirty="0">
+                <a:solidFill>
+                  <a:srgbClr val="660033"/>
+                </a:solidFill>
+                <a:latin typeface="Microsoft JhengHei" panose="020B0604030504040204" pitchFamily="34" charset="-120"/>
+                <a:ea typeface="Microsoft JhengHei" panose="020B0604030504040204" pitchFamily="34" charset="-120"/>
+              </a:rPr>
+              <a:t>正歌</a:t>
+            </a:r>
+            <a:r>
+              <a:rPr lang="en-US" sz="3200" b="1" dirty="0">
+                <a:solidFill>
+                  <a:srgbClr val="660033"/>
+                </a:solidFill>
+                <a:latin typeface="Microsoft JhengHei" panose="020B0604030504040204" pitchFamily="34" charset="-120"/>
+                <a:ea typeface="Microsoft JhengHei" panose="020B0604030504040204" pitchFamily="34" charset="-120"/>
+              </a:rPr>
+              <a:t> )</a:t>
+            </a:r>
+            <a:endParaRPr lang="vi-VN" sz="3200" b="1" dirty="0">
               <a:solidFill>
                 <a:srgbClr val="660033"/>
               </a:solidFill>
-              <a:latin typeface="微軟正黑體" pitchFamily="34" charset="-120"/>
-              <a:ea typeface="微軟正黑體" pitchFamily="34" charset="-120"/>
+              <a:ea typeface="Microsoft JhengHei" panose="020B0604030504040204" pitchFamily="34" charset="-120"/>
             </a:endParaRPr>
           </a:p>
-          <a:p>
-            <a:pPr algn="ctr">
-              <a:buNone/>
-            </a:pPr>
-            <a:r>
-              <a:rPr lang="zh-TW" altLang="en-US" sz="5400" b="1" dirty="0">
-                <a:solidFill>
-                  <a:srgbClr val="660033"/>
-                </a:solidFill>
-                <a:latin typeface="微軟正黑體" pitchFamily="34" charset="-120"/>
-                <a:ea typeface="微軟正黑體" pitchFamily="34" charset="-120"/>
-              </a:rPr>
-              <a:t>祂</a:t>
-            </a:r>
-            <a:r>
-              <a:rPr lang="zh-TW" altLang="en-US" sz="5400" b="1" dirty="0">
-                <a:solidFill>
-                  <a:srgbClr val="660033"/>
-                </a:solidFill>
-                <a:latin typeface="微軟正黑體" pitchFamily="34" charset="-120"/>
-                <a:ea typeface="微軟正黑體" pitchFamily="34" charset="-120"/>
-              </a:rPr>
-              <a:t>統管</a:t>
-            </a:r>
-            <a:r>
-              <a:rPr lang="zh-TW" altLang="en-US" sz="5400" b="1" dirty="0">
-                <a:solidFill>
-                  <a:srgbClr val="660033"/>
-                </a:solidFill>
-                <a:latin typeface="微軟正黑體" pitchFamily="34" charset="-120"/>
-                <a:ea typeface="微軟正黑體" pitchFamily="34" charset="-120"/>
-              </a:rPr>
-              <a:t>全球</a:t>
-            </a:r>
-            <a:endParaRPr lang="en-US" altLang="zh-TW" sz="5400" b="1" dirty="0">
-              <a:solidFill>
-                <a:srgbClr val="660033"/>
-              </a:solidFill>
-              <a:latin typeface="微軟正黑體" pitchFamily="34" charset="-120"/>
-              <a:ea typeface="微軟正黑體" pitchFamily="34" charset="-120"/>
-            </a:endParaRPr>
-          </a:p>
-          <a:p>
-            <a:pPr algn="ctr">
-              <a:buNone/>
-            </a:pPr>
-            <a:r>
-              <a:rPr lang="zh-TW" altLang="en-US" sz="5400" b="1" dirty="0">
-                <a:solidFill>
-                  <a:srgbClr val="660033"/>
-                </a:solidFill>
-                <a:latin typeface="微軟正黑體" pitchFamily="34" charset="-120"/>
-                <a:ea typeface="微軟正黑體" pitchFamily="34" charset="-120"/>
-              </a:rPr>
-              <a:t>起來</a:t>
-            </a:r>
-            <a:r>
-              <a:rPr lang="zh-TW" altLang="en-US" sz="5400" b="1" dirty="0">
-                <a:solidFill>
-                  <a:srgbClr val="660033"/>
-                </a:solidFill>
-                <a:latin typeface="微軟正黑體" pitchFamily="34" charset="-120"/>
-                <a:ea typeface="微軟正黑體" pitchFamily="34" charset="-120"/>
-              </a:rPr>
-              <a:t>歌頌讚美聖父</a:t>
-            </a:r>
-          </a:p>
         </p:txBody>
       </p:sp>
     </p:spTree>
+    <p:extLst>
+      <p:ext uri="{BB962C8B-B14F-4D97-AF65-F5344CB8AC3E}">
+        <p14:creationId xmlns:p14="http://schemas.microsoft.com/office/powerpoint/2010/main" val="2174960103"/>
+      </p:ext>
+    </p:extLst>
   </p:cSld>
   <p:clrMapOvr>
     <a:masterClrMapping/>
@@ -4002,32 +4250,40 @@
       </p:grpSpPr>
       <p:sp>
         <p:nvSpPr>
-          <p:cNvPr id="4" name="標題 3"/>
-          <p:cNvSpPr>
-            <a:spLocks noGrp="1"/>
-          </p:cNvSpPr>
-          <p:nvPr>
-            <p:ph type="title"/>
-          </p:nvPr>
-        </p:nvSpPr>
-        <p:spPr/>
-        <p:txBody>
-          <a:bodyPr>
+          <p:cNvPr id="5" name="內容版面配置區 4"/>
+          <p:cNvSpPr>
+            <a:spLocks noGrp="1"/>
+          </p:cNvSpPr>
+          <p:nvPr>
+            <p:ph idx="1"/>
+          </p:nvPr>
+        </p:nvSpPr>
+        <p:spPr>
+          <a:xfrm>
+            <a:off x="0" y="2084851"/>
+            <a:ext cx="12192000" cy="2404863"/>
+          </a:xfrm>
+        </p:spPr>
+        <p:txBody>
+          <a:bodyPr anchor="ctr">
             <a:normAutofit/>
           </a:bodyPr>
           <a:lstStyle/>
           <a:p>
-            <a:r>
-              <a:rPr lang="zh-TW" altLang="en-US" b="1" dirty="0" smtClean="0">
+            <a:pPr algn="ctr">
+              <a:buNone/>
+            </a:pPr>
+            <a:r>
+              <a:rPr lang="zh-TW" altLang="en-US" sz="6400" b="1" dirty="0">
                 <a:solidFill>
                   <a:srgbClr val="660033"/>
                 </a:solidFill>
                 <a:latin typeface="微軟正黑體" pitchFamily="34" charset="-120"/>
                 <a:ea typeface="微軟正黑體" pitchFamily="34" charset="-120"/>
               </a:rPr>
-              <a:t>當讚美聖父</a:t>
-            </a:r>
-            <a:endParaRPr lang="zh-TW" altLang="en-US" b="1" dirty="0">
+              <a:t>榮耀的王啊</a:t>
+            </a:r>
+            <a:endParaRPr lang="en-US" altLang="zh-TW" sz="6400" b="1" dirty="0">
               <a:solidFill>
                 <a:srgbClr val="660033"/>
               </a:solidFill>
@@ -4035,153 +4291,91 @@
               <a:ea typeface="微軟正黑體" pitchFamily="34" charset="-120"/>
             </a:endParaRPr>
           </a:p>
-        </p:txBody>
-      </p:sp>
-      <p:sp>
-        <p:nvSpPr>
-          <p:cNvPr id="5" name="內容版面配置區 4"/>
-          <p:cNvSpPr>
-            <a:spLocks noGrp="1"/>
-          </p:cNvSpPr>
-          <p:nvPr>
-            <p:ph idx="1"/>
-          </p:nvPr>
+          <a:p>
+            <a:pPr algn="ctr">
+              <a:buNone/>
+            </a:pPr>
+            <a:r>
+              <a:rPr lang="zh-TW" altLang="en-US" sz="6400" b="1" dirty="0">
+                <a:solidFill>
+                  <a:srgbClr val="660033"/>
+                </a:solidFill>
+                <a:latin typeface="微軟正黑體" pitchFamily="34" charset="-120"/>
+                <a:ea typeface="微軟正黑體" pitchFamily="34" charset="-120"/>
+              </a:rPr>
+              <a:t>讓全地宣揚祢的威嚴</a:t>
+            </a:r>
+          </a:p>
+        </p:txBody>
+      </p:sp>
+      <p:sp>
+        <p:nvSpPr>
+          <p:cNvPr id="3" name="TextBox 2"/>
+          <p:cNvSpPr txBox="1"/>
+          <p:nvPr/>
         </p:nvSpPr>
         <p:spPr>
           <a:xfrm>
-            <a:off x="1524000" y="1600201"/>
-            <a:ext cx="9144000" cy="4525963"/>
+            <a:off x="0" y="5157193"/>
+            <a:ext cx="12192000" cy="584775"/>
           </a:xfrm>
+          <a:prstGeom prst="rect">
+            <a:avLst/>
+          </a:prstGeom>
+          <a:noFill/>
         </p:spPr>
         <p:txBody>
-          <a:bodyPr>
-            <a:noAutofit/>
+          <a:bodyPr wrap="square" rtlCol="0">
+            <a:spAutoFit/>
           </a:bodyPr>
           <a:lstStyle/>
           <a:p>
-            <a:pPr algn="ctr">
-              <a:buNone/>
-            </a:pPr>
-            <a:r>
-              <a:rPr lang="zh-TW" altLang="en-US" sz="5400" b="1" dirty="0">
-                <a:solidFill>
-                  <a:srgbClr val="660033"/>
-                </a:solidFill>
-                <a:latin typeface="微軟正黑體" pitchFamily="34" charset="-120"/>
-                <a:ea typeface="微軟正黑體" pitchFamily="34" charset="-120"/>
-              </a:rPr>
-              <a:t>讚美歸於</a:t>
-            </a:r>
-            <a:r>
-              <a:rPr lang="zh-TW" altLang="en-US" sz="5400" b="1" dirty="0">
-                <a:solidFill>
-                  <a:srgbClr val="660033"/>
-                </a:solidFill>
-                <a:latin typeface="微軟正黑體" pitchFamily="34" charset="-120"/>
-                <a:ea typeface="微軟正黑體" pitchFamily="34" charset="-120"/>
-              </a:rPr>
-              <a:t>聖父</a:t>
-            </a:r>
-            <a:endParaRPr lang="en-US" altLang="zh-TW" sz="5400" b="1" dirty="0">
+            <a:pPr algn="ctr"/>
+            <a:r>
+              <a:rPr lang="en-US" sz="3200" b="1" dirty="0">
+                <a:solidFill>
+                  <a:srgbClr val="660033"/>
+                </a:solidFill>
+                <a:latin typeface="Microsoft JhengHei" panose="020B0604030504040204" pitchFamily="34" charset="-120"/>
+                <a:ea typeface="Microsoft JhengHei" panose="020B0604030504040204" pitchFamily="34" charset="-120"/>
+              </a:rPr>
+              <a:t>( </a:t>
+            </a:r>
+            <a:r>
+              <a:rPr lang="zh-CN" altLang="en-US" sz="3200" b="1" dirty="0">
+                <a:solidFill>
+                  <a:srgbClr val="660033"/>
+                </a:solidFill>
+                <a:latin typeface="Microsoft JhengHei" panose="020B0604030504040204" pitchFamily="34" charset="-120"/>
+                <a:ea typeface="Microsoft JhengHei" panose="020B0604030504040204" pitchFamily="34" charset="-120"/>
+              </a:rPr>
+              <a:t>正歌</a:t>
+            </a:r>
+            <a:r>
+              <a:rPr lang="en-US" sz="3200" b="1" dirty="0">
+                <a:solidFill>
+                  <a:srgbClr val="660033"/>
+                </a:solidFill>
+                <a:latin typeface="Microsoft JhengHei" panose="020B0604030504040204" pitchFamily="34" charset="-120"/>
+                <a:ea typeface="Microsoft JhengHei" panose="020B0604030504040204" pitchFamily="34" charset="-120"/>
+              </a:rPr>
+              <a:t> )</a:t>
+            </a:r>
+            <a:endParaRPr lang="vi-VN" sz="3200" b="1" dirty="0">
               <a:solidFill>
                 <a:srgbClr val="660033"/>
               </a:solidFill>
-              <a:latin typeface="微軟正黑體" pitchFamily="34" charset="-120"/>
-              <a:ea typeface="微軟正黑體" pitchFamily="34" charset="-120"/>
+              <a:ea typeface="Microsoft JhengHei" panose="020B0604030504040204" pitchFamily="34" charset="-120"/>
             </a:endParaRPr>
           </a:p>
-          <a:p>
-            <a:pPr algn="ctr">
-              <a:buNone/>
-            </a:pPr>
-            <a:r>
-              <a:rPr lang="zh-TW" altLang="en-US" sz="5400" b="1" dirty="0">
-                <a:solidFill>
-                  <a:srgbClr val="660033"/>
-                </a:solidFill>
-                <a:latin typeface="微軟正黑體" pitchFamily="34" charset="-120"/>
-                <a:ea typeface="微軟正黑體" pitchFamily="34" charset="-120"/>
-              </a:rPr>
-              <a:t>歸於聖子  歸於聖靈</a:t>
-            </a:r>
-            <a:endParaRPr lang="en-US" altLang="zh-TW" sz="5400" b="1" dirty="0">
-              <a:solidFill>
-                <a:srgbClr val="660033"/>
-              </a:solidFill>
-              <a:latin typeface="微軟正黑體" pitchFamily="34" charset="-120"/>
-              <a:ea typeface="微軟正黑體" pitchFamily="34" charset="-120"/>
-            </a:endParaRPr>
-          </a:p>
-          <a:p>
-            <a:pPr algn="ctr">
-              <a:buNone/>
-            </a:pPr>
-            <a:r>
-              <a:rPr lang="zh-TW" altLang="en-US" sz="5400" b="1" dirty="0">
-                <a:solidFill>
-                  <a:srgbClr val="660033"/>
-                </a:solidFill>
-                <a:latin typeface="微軟正黑體" pitchFamily="34" charset="-120"/>
-                <a:ea typeface="微軟正黑體" pitchFamily="34" charset="-120"/>
-              </a:rPr>
-              <a:t>萬國</a:t>
-            </a:r>
-            <a:r>
-              <a:rPr lang="zh-TW" altLang="en-US" sz="5400" b="1" dirty="0">
-                <a:solidFill>
-                  <a:srgbClr val="660033"/>
-                </a:solidFill>
-                <a:latin typeface="微軟正黑體" pitchFamily="34" charset="-120"/>
-                <a:ea typeface="微軟正黑體" pitchFamily="34" charset="-120"/>
-              </a:rPr>
-              <a:t>當讚美</a:t>
-            </a:r>
-            <a:r>
-              <a:rPr lang="zh-TW" altLang="en-US" sz="5400" b="1" dirty="0">
-                <a:solidFill>
-                  <a:srgbClr val="660033"/>
-                </a:solidFill>
-                <a:latin typeface="微軟正黑體" pitchFamily="34" charset="-120"/>
-                <a:ea typeface="微軟正黑體" pitchFamily="34" charset="-120"/>
-              </a:rPr>
-              <a:t>祂</a:t>
-            </a:r>
-            <a:endParaRPr lang="en-US" altLang="zh-TW" sz="5400" b="1" dirty="0">
-              <a:solidFill>
-                <a:srgbClr val="660033"/>
-              </a:solidFill>
-              <a:latin typeface="微軟正黑體" pitchFamily="34" charset="-120"/>
-              <a:ea typeface="微軟正黑體" pitchFamily="34" charset="-120"/>
-            </a:endParaRPr>
-          </a:p>
-          <a:p>
-            <a:pPr algn="ctr">
-              <a:buNone/>
-            </a:pPr>
-            <a:r>
-              <a:rPr lang="zh-TW" altLang="en-US" sz="5400" b="1" dirty="0">
-                <a:solidFill>
-                  <a:srgbClr val="660033"/>
-                </a:solidFill>
-                <a:latin typeface="微軟正黑體" pitchFamily="34" charset="-120"/>
-                <a:ea typeface="微軟正黑體" pitchFamily="34" charset="-120"/>
-              </a:rPr>
-              <a:t>全世界</a:t>
-            </a:r>
-            <a:r>
-              <a:rPr lang="zh-TW" altLang="en-US" sz="5400" b="1" dirty="0">
-                <a:solidFill>
-                  <a:srgbClr val="660033"/>
-                </a:solidFill>
-                <a:latin typeface="微軟正黑體" pitchFamily="34" charset="-120"/>
-                <a:ea typeface="微軟正黑體" pitchFamily="34" charset="-120"/>
-              </a:rPr>
-              <a:t>都因祂歡騰</a:t>
-            </a:r>
-          </a:p>
         </p:txBody>
       </p:sp>
     </p:spTree>
+    <p:extLst>
+      <p:ext uri="{BB962C8B-B14F-4D97-AF65-F5344CB8AC3E}">
+        <p14:creationId xmlns:p14="http://schemas.microsoft.com/office/powerpoint/2010/main" val="3666185101"/>
+      </p:ext>
+    </p:extLst>
   </p:cSld>
   <p:clrMapOvr>
     <a:masterClrMapping/>
@@ -4208,32 +4402,40 @@
       </p:grpSpPr>
       <p:sp>
         <p:nvSpPr>
-          <p:cNvPr id="4" name="標題 3"/>
-          <p:cNvSpPr>
-            <a:spLocks noGrp="1"/>
-          </p:cNvSpPr>
-          <p:nvPr>
-            <p:ph type="title"/>
-          </p:nvPr>
-        </p:nvSpPr>
-        <p:spPr/>
-        <p:txBody>
-          <a:bodyPr>
+          <p:cNvPr id="5" name="內容版面配置區 4"/>
+          <p:cNvSpPr>
+            <a:spLocks noGrp="1"/>
+          </p:cNvSpPr>
+          <p:nvPr>
+            <p:ph idx="1"/>
+          </p:nvPr>
+        </p:nvSpPr>
+        <p:spPr>
+          <a:xfrm>
+            <a:off x="0" y="2084851"/>
+            <a:ext cx="12192000" cy="2404863"/>
+          </a:xfrm>
+        </p:spPr>
+        <p:txBody>
+          <a:bodyPr anchor="ctr">
             <a:normAutofit/>
           </a:bodyPr>
           <a:lstStyle/>
           <a:p>
-            <a:r>
-              <a:rPr lang="zh-TW" altLang="en-US" b="1" dirty="0" smtClean="0">
+            <a:pPr algn="ctr">
+              <a:buNone/>
+            </a:pPr>
+            <a:r>
+              <a:rPr lang="zh-TW" altLang="en-US" sz="6400" b="1" dirty="0">
                 <a:solidFill>
                   <a:srgbClr val="660033"/>
                 </a:solidFill>
                 <a:latin typeface="微軟正黑體" pitchFamily="34" charset="-120"/>
                 <a:ea typeface="微軟正黑體" pitchFamily="34" charset="-120"/>
               </a:rPr>
-              <a:t>當讚美聖父</a:t>
-            </a:r>
-            <a:endParaRPr lang="zh-TW" altLang="en-US" b="1" dirty="0">
+              <a:t>要頌讚主</a:t>
+            </a:r>
+            <a:endParaRPr lang="en-US" altLang="zh-TW" sz="6400" b="1" dirty="0">
               <a:solidFill>
                 <a:srgbClr val="660033"/>
               </a:solidFill>
@@ -4241,54 +4443,21 @@
               <a:ea typeface="微軟正黑體" pitchFamily="34" charset="-120"/>
             </a:endParaRPr>
           </a:p>
-        </p:txBody>
-      </p:sp>
-      <p:sp>
-        <p:nvSpPr>
-          <p:cNvPr id="5" name="內容版面配置區 4"/>
-          <p:cNvSpPr>
-            <a:spLocks noGrp="1"/>
-          </p:cNvSpPr>
-          <p:nvPr>
-            <p:ph idx="1"/>
-          </p:nvPr>
-        </p:nvSpPr>
-        <p:spPr>
-          <a:xfrm>
-            <a:off x="1524000" y="1600200"/>
-            <a:ext cx="9144000" cy="5257800"/>
-          </a:xfrm>
-        </p:spPr>
-        <p:txBody>
-          <a:bodyPr>
-            <a:noAutofit/>
-          </a:bodyPr>
-          <a:lstStyle/>
           <a:p>
             <a:pPr algn="ctr">
               <a:buNone/>
             </a:pPr>
             <a:r>
-              <a:rPr lang="zh-TW" altLang="en-US" sz="5400" b="1" dirty="0">
+              <a:rPr lang="zh-TW" altLang="en-US" sz="6400" b="1" dirty="0">
                 <a:solidFill>
                   <a:srgbClr val="660033"/>
                 </a:solidFill>
                 <a:latin typeface="微軟正黑體" pitchFamily="34" charset="-120"/>
                 <a:ea typeface="微軟正黑體" pitchFamily="34" charset="-120"/>
               </a:rPr>
-              <a:t>榮耀歸於我</a:t>
-            </a:r>
-            <a:r>
-              <a:rPr lang="zh-TW" altLang="en-US" sz="5400" b="1" dirty="0">
-                <a:solidFill>
-                  <a:srgbClr val="660033"/>
-                </a:solidFill>
-                <a:latin typeface="微軟正黑體" pitchFamily="34" charset="-120"/>
-                <a:ea typeface="微軟正黑體" pitchFamily="34" charset="-120"/>
-              </a:rPr>
-              <a:t>君王</a:t>
-            </a:r>
-            <a:endParaRPr lang="en-US" altLang="zh-TW" sz="5400" b="1" dirty="0">
+              <a:t>同聲傳揚祂權能</a:t>
+            </a:r>
+            <a:endParaRPr lang="en-US" altLang="zh-TW" sz="6400" b="1" dirty="0">
               <a:solidFill>
                 <a:srgbClr val="660033"/>
               </a:solidFill>
@@ -4296,41 +4465,136 @@
               <a:ea typeface="微軟正黑體" pitchFamily="34" charset="-120"/>
             </a:endParaRPr>
           </a:p>
+        </p:txBody>
+      </p:sp>
+      <p:sp>
+        <p:nvSpPr>
+          <p:cNvPr id="3" name="TextBox 2"/>
+          <p:cNvSpPr txBox="1"/>
+          <p:nvPr/>
+        </p:nvSpPr>
+        <p:spPr>
+          <a:xfrm>
+            <a:off x="0" y="5157193"/>
+            <a:ext cx="12192000" cy="584775"/>
+          </a:xfrm>
+          <a:prstGeom prst="rect">
+            <a:avLst/>
+          </a:prstGeom>
+          <a:noFill/>
+        </p:spPr>
+        <p:txBody>
+          <a:bodyPr wrap="square" rtlCol="0">
+            <a:spAutoFit/>
+          </a:bodyPr>
+          <a:lstStyle/>
+          <a:p>
+            <a:pPr algn="ctr"/>
+            <a:r>
+              <a:rPr lang="en-US" sz="3200" b="1" dirty="0">
+                <a:solidFill>
+                  <a:srgbClr val="660033"/>
+                </a:solidFill>
+                <a:latin typeface="Microsoft JhengHei" panose="020B0604030504040204" pitchFamily="34" charset="-120"/>
+                <a:ea typeface="Microsoft JhengHei" panose="020B0604030504040204" pitchFamily="34" charset="-120"/>
+              </a:rPr>
+              <a:t>( </a:t>
+            </a:r>
+            <a:r>
+              <a:rPr lang="zh-CN" altLang="en-US" sz="3200" b="1" dirty="0">
+                <a:solidFill>
+                  <a:srgbClr val="660033"/>
+                </a:solidFill>
+                <a:latin typeface="Microsoft JhengHei" panose="020B0604030504040204" pitchFamily="34" charset="-120"/>
+                <a:ea typeface="Microsoft JhengHei" panose="020B0604030504040204" pitchFamily="34" charset="-120"/>
+              </a:rPr>
+              <a:t>前副歌</a:t>
+            </a:r>
+            <a:r>
+              <a:rPr lang="en-US" sz="3200" b="1" dirty="0">
+                <a:solidFill>
+                  <a:srgbClr val="660033"/>
+                </a:solidFill>
+                <a:latin typeface="Microsoft JhengHei" panose="020B0604030504040204" pitchFamily="34" charset="-120"/>
+                <a:ea typeface="Microsoft JhengHei" panose="020B0604030504040204" pitchFamily="34" charset="-120"/>
+              </a:rPr>
+              <a:t> )</a:t>
+            </a:r>
+            <a:endParaRPr lang="vi-VN" sz="3200" b="1" dirty="0">
+              <a:solidFill>
+                <a:srgbClr val="660033"/>
+              </a:solidFill>
+              <a:ea typeface="Microsoft JhengHei" panose="020B0604030504040204" pitchFamily="34" charset="-120"/>
+            </a:endParaRPr>
+          </a:p>
+        </p:txBody>
+      </p:sp>
+    </p:spTree>
+    <p:extLst>
+      <p:ext uri="{BB962C8B-B14F-4D97-AF65-F5344CB8AC3E}">
+        <p14:creationId xmlns:p14="http://schemas.microsoft.com/office/powerpoint/2010/main" val="63128751"/>
+      </p:ext>
+    </p:extLst>
+  </p:cSld>
+  <p:clrMapOvr>
+    <a:masterClrMapping/>
+  </p:clrMapOvr>
+</p:sld>
+</file>
+
+<file path=ppt/slides/slide7.xml><?xml version="1.0" encoding="utf-8"?>
+<p:sld xmlns:a="http://schemas.openxmlformats.org/drawingml/2006/main" xmlns:r="http://schemas.openxmlformats.org/officeDocument/2006/relationships" xmlns:p="http://schemas.openxmlformats.org/presentationml/2006/main">
+  <p:cSld>
+    <p:spTree>
+      <p:nvGrpSpPr>
+        <p:cNvPr id="1" name=""/>
+        <p:cNvGrpSpPr/>
+        <p:nvPr/>
+      </p:nvGrpSpPr>
+      <p:grpSpPr>
+        <a:xfrm>
+          <a:off x="0" y="0"/>
+          <a:ext cx="0" cy="0"/>
+          <a:chOff x="0" y="0"/>
+          <a:chExt cx="0" cy="0"/>
+        </a:xfrm>
+      </p:grpSpPr>
+      <p:sp>
+        <p:nvSpPr>
+          <p:cNvPr id="5" name="內容版面配置區 4"/>
+          <p:cNvSpPr>
+            <a:spLocks noGrp="1"/>
+          </p:cNvSpPr>
+          <p:nvPr>
+            <p:ph idx="1"/>
+          </p:nvPr>
+        </p:nvSpPr>
+        <p:spPr>
+          <a:xfrm>
+            <a:off x="0" y="2084851"/>
+            <a:ext cx="12192000" cy="2404863"/>
+          </a:xfrm>
+        </p:spPr>
+        <p:txBody>
+          <a:bodyPr anchor="ctr">
+            <a:normAutofit/>
+          </a:bodyPr>
+          <a:lstStyle/>
           <a:p>
             <a:pPr algn="ctr">
               <a:buNone/>
             </a:pPr>
             <a:r>
-              <a:rPr lang="zh-TW" altLang="en-US" sz="5400" b="1" dirty="0">
+              <a:rPr lang="zh-TW" altLang="en-US" sz="6400" b="1" dirty="0">
                 <a:solidFill>
                   <a:srgbClr val="660033"/>
                 </a:solidFill>
                 <a:latin typeface="微軟正黑體" pitchFamily="34" charset="-120"/>
                 <a:ea typeface="微軟正黑體" pitchFamily="34" charset="-120"/>
               </a:rPr>
-              <a:t>榮耀</a:t>
-            </a:r>
-            <a:r>
-              <a:rPr lang="zh-TW" altLang="en-US" sz="5400" b="1" dirty="0">
-                <a:solidFill>
-                  <a:srgbClr val="660033"/>
-                </a:solidFill>
-                <a:latin typeface="微軟正黑體" pitchFamily="34" charset="-120"/>
-                <a:ea typeface="微軟正黑體" pitchFamily="34" charset="-120"/>
-              </a:rPr>
-              <a:t>歸於祂永遠的</a:t>
-            </a:r>
-            <a:r>
-              <a:rPr lang="zh-TW" altLang="en-US" sz="5400" b="1" dirty="0">
-                <a:solidFill>
-                  <a:srgbClr val="660033"/>
-                </a:solidFill>
-                <a:latin typeface="微軟正黑體" pitchFamily="34" charset="-120"/>
-                <a:ea typeface="微軟正黑體" pitchFamily="34" charset="-120"/>
-              </a:rPr>
-              <a:t>名</a:t>
-            </a:r>
-            <a:endParaRPr lang="en-US" altLang="zh-TW" sz="5400" b="1" dirty="0">
+              <a:t>祂帶喜樂給世人</a:t>
+            </a:r>
+            <a:endParaRPr lang="en-US" altLang="zh-TW" sz="6400" b="1" dirty="0">
               <a:solidFill>
                 <a:srgbClr val="660033"/>
               </a:solidFill>
@@ -4343,76 +4607,146 @@
               <a:buNone/>
             </a:pPr>
             <a:r>
-              <a:rPr lang="zh-TW" altLang="en-US" sz="5400" b="1" dirty="0">
+              <a:rPr lang="zh-TW" altLang="en-US" sz="6400" b="1" dirty="0">
                 <a:solidFill>
                   <a:srgbClr val="660033"/>
                 </a:solidFill>
                 <a:latin typeface="微軟正黑體" pitchFamily="34" charset="-120"/>
                 <a:ea typeface="微軟正黑體" pitchFamily="34" charset="-120"/>
               </a:rPr>
-              <a:t>願</a:t>
-            </a:r>
-            <a:r>
-              <a:rPr lang="zh-TW" altLang="en-US" sz="5400" b="1" dirty="0">
+              <a:t>祂賜下大憐憫世世無窮</a:t>
+            </a:r>
+          </a:p>
+        </p:txBody>
+      </p:sp>
+      <p:sp>
+        <p:nvSpPr>
+          <p:cNvPr id="3" name="TextBox 2"/>
+          <p:cNvSpPr txBox="1"/>
+          <p:nvPr/>
+        </p:nvSpPr>
+        <p:spPr>
+          <a:xfrm>
+            <a:off x="0" y="5157193"/>
+            <a:ext cx="12192000" cy="584775"/>
+          </a:xfrm>
+          <a:prstGeom prst="rect">
+            <a:avLst/>
+          </a:prstGeom>
+          <a:noFill/>
+        </p:spPr>
+        <p:txBody>
+          <a:bodyPr wrap="square" rtlCol="0">
+            <a:spAutoFit/>
+          </a:bodyPr>
+          <a:lstStyle/>
+          <a:p>
+            <a:pPr algn="ctr"/>
+            <a:r>
+              <a:rPr lang="en-US" sz="3200" b="1" dirty="0">
+                <a:solidFill>
+                  <a:srgbClr val="660033"/>
+                </a:solidFill>
+                <a:latin typeface="Microsoft JhengHei" panose="020B0604030504040204" pitchFamily="34" charset="-120"/>
+                <a:ea typeface="Microsoft JhengHei" panose="020B0604030504040204" pitchFamily="34" charset="-120"/>
+              </a:rPr>
+              <a:t>( </a:t>
+            </a:r>
+            <a:r>
+              <a:rPr lang="zh-CN" altLang="en-US" sz="3200" b="1" dirty="0">
+                <a:solidFill>
+                  <a:srgbClr val="660033"/>
+                </a:solidFill>
+                <a:latin typeface="Microsoft JhengHei" panose="020B0604030504040204" pitchFamily="34" charset="-120"/>
+                <a:ea typeface="Microsoft JhengHei" panose="020B0604030504040204" pitchFamily="34" charset="-120"/>
+              </a:rPr>
+              <a:t>前副歌</a:t>
+            </a:r>
+            <a:r>
+              <a:rPr lang="en-US" sz="3200" b="1" dirty="0">
+                <a:solidFill>
+                  <a:srgbClr val="660033"/>
+                </a:solidFill>
+                <a:latin typeface="Microsoft JhengHei" panose="020B0604030504040204" pitchFamily="34" charset="-120"/>
+                <a:ea typeface="Microsoft JhengHei" panose="020B0604030504040204" pitchFamily="34" charset="-120"/>
+              </a:rPr>
+              <a:t> )</a:t>
+            </a:r>
+            <a:endParaRPr lang="vi-VN" sz="3200" b="1" dirty="0">
+              <a:solidFill>
+                <a:srgbClr val="660033"/>
+              </a:solidFill>
+              <a:ea typeface="Microsoft JhengHei" panose="020B0604030504040204" pitchFamily="34" charset="-120"/>
+            </a:endParaRPr>
+          </a:p>
+        </p:txBody>
+      </p:sp>
+    </p:spTree>
+    <p:extLst>
+      <p:ext uri="{BB962C8B-B14F-4D97-AF65-F5344CB8AC3E}">
+        <p14:creationId xmlns:p14="http://schemas.microsoft.com/office/powerpoint/2010/main" val="3104021054"/>
+      </p:ext>
+    </p:extLst>
+  </p:cSld>
+  <p:clrMapOvr>
+    <a:masterClrMapping/>
+  </p:clrMapOvr>
+</p:sld>
+</file>
+
+<file path=ppt/slides/slide8.xml><?xml version="1.0" encoding="utf-8"?>
+<p:sld xmlns:a="http://schemas.openxmlformats.org/drawingml/2006/main" xmlns:r="http://schemas.openxmlformats.org/officeDocument/2006/relationships" xmlns:p="http://schemas.openxmlformats.org/presentationml/2006/main">
+  <p:cSld>
+    <p:spTree>
+      <p:nvGrpSpPr>
+        <p:cNvPr id="1" name=""/>
+        <p:cNvGrpSpPr/>
+        <p:nvPr/>
+      </p:nvGrpSpPr>
+      <p:grpSpPr>
+        <a:xfrm>
+          <a:off x="0" y="0"/>
+          <a:ext cx="0" cy="0"/>
+          <a:chOff x="0" y="0"/>
+          <a:chExt cx="0" cy="0"/>
+        </a:xfrm>
+      </p:grpSpPr>
+      <p:sp>
+        <p:nvSpPr>
+          <p:cNvPr id="5" name="內容版面配置區 4"/>
+          <p:cNvSpPr>
+            <a:spLocks noGrp="1"/>
+          </p:cNvSpPr>
+          <p:nvPr>
+            <p:ph idx="1"/>
+          </p:nvPr>
+        </p:nvSpPr>
+        <p:spPr>
+          <a:xfrm>
+            <a:off x="0" y="2084851"/>
+            <a:ext cx="12192000" cy="2404863"/>
+          </a:xfrm>
+        </p:spPr>
+        <p:txBody>
+          <a:bodyPr anchor="ctr">
+            <a:normAutofit/>
+          </a:bodyPr>
+          <a:lstStyle/>
+          <a:p>
+            <a:pPr algn="ctr">
+              <a:buNone/>
+            </a:pPr>
+            <a:r>
+              <a:rPr lang="zh-TW" altLang="en-US" sz="6400" b="1" dirty="0">
                 <a:solidFill>
                   <a:srgbClr val="660033"/>
                 </a:solidFill>
                 <a:latin typeface="微軟正黑體" pitchFamily="34" charset="-120"/>
                 <a:ea typeface="微軟正黑體" pitchFamily="34" charset="-120"/>
               </a:rPr>
-              <a:t>全地</a:t>
-            </a:r>
-            <a:r>
-              <a:rPr lang="zh-TW" altLang="en-US" sz="5400" b="1" dirty="0" smtClean="0">
-                <a:solidFill>
-                  <a:srgbClr val="660033"/>
-                </a:solidFill>
-                <a:latin typeface="微軟正黑體" pitchFamily="34" charset="-120"/>
-                <a:ea typeface="微軟正黑體" pitchFamily="34" charset="-120"/>
-              </a:rPr>
-              <a:t>喜悅</a:t>
-            </a:r>
-            <a:r>
-              <a:rPr lang="en-US" altLang="zh-TW" sz="5400" b="1" dirty="0" smtClean="0">
-                <a:solidFill>
-                  <a:srgbClr val="660033"/>
-                </a:solidFill>
-                <a:latin typeface="微軟正黑體" pitchFamily="34" charset="-120"/>
-                <a:ea typeface="微軟正黑體" pitchFamily="34" charset="-120"/>
-              </a:rPr>
-              <a:t>  </a:t>
-            </a:r>
-            <a:r>
-              <a:rPr lang="zh-TW" altLang="en-US" sz="5400" b="1" dirty="0" smtClean="0">
-                <a:solidFill>
-                  <a:srgbClr val="660033"/>
-                </a:solidFill>
-                <a:latin typeface="微軟正黑體" pitchFamily="34" charset="-120"/>
-                <a:ea typeface="微軟正黑體" pitchFamily="34" charset="-120"/>
-              </a:rPr>
-              <a:t>在</a:t>
-            </a:r>
-            <a:r>
-              <a:rPr lang="zh-TW" altLang="en-US" sz="5400" b="1" dirty="0">
-                <a:solidFill>
-                  <a:srgbClr val="660033"/>
-                </a:solidFill>
-                <a:latin typeface="微軟正黑體" pitchFamily="34" charset="-120"/>
-                <a:ea typeface="微軟正黑體" pitchFamily="34" charset="-120"/>
-              </a:rPr>
-              <a:t>祂愛中</a:t>
-            </a:r>
-            <a:r>
-              <a:rPr lang="zh-TW" altLang="en-US" sz="5400" b="1" dirty="0">
-                <a:solidFill>
-                  <a:srgbClr val="660033"/>
-                </a:solidFill>
-                <a:latin typeface="微軟正黑體" pitchFamily="34" charset="-120"/>
-                <a:ea typeface="微軟正黑體" pitchFamily="34" charset="-120"/>
-              </a:rPr>
-              <a:t>歡欣</a:t>
-            </a:r>
-            <a:endParaRPr lang="en-US" altLang="zh-TW" sz="5400" b="1" dirty="0">
+              <a:t>祂創造全世界和天上的萬有</a:t>
+            </a:r>
+            <a:endParaRPr lang="en-US" altLang="zh-TW" sz="6400" b="1" dirty="0">
               <a:solidFill>
                 <a:srgbClr val="660033"/>
               </a:solidFill>
@@ -4425,36 +4759,16 @@
               <a:buNone/>
             </a:pPr>
             <a:r>
-              <a:rPr lang="zh-TW" altLang="en-US" sz="5400" b="1" dirty="0">
+              <a:rPr lang="zh-TW" altLang="en-US" sz="6400" b="1" dirty="0">
                 <a:solidFill>
                   <a:srgbClr val="660033"/>
                 </a:solidFill>
                 <a:latin typeface="微軟正黑體" pitchFamily="34" charset="-120"/>
                 <a:ea typeface="微軟正黑體" pitchFamily="34" charset="-120"/>
               </a:rPr>
-              <a:t>當</a:t>
-            </a:r>
-            <a:r>
-              <a:rPr lang="zh-TW" altLang="en-US" sz="5400" b="1" dirty="0">
-                <a:solidFill>
-                  <a:srgbClr val="660033"/>
-                </a:solidFill>
-                <a:latin typeface="微軟正黑體" pitchFamily="34" charset="-120"/>
-                <a:ea typeface="微軟正黑體" pitchFamily="34" charset="-120"/>
-              </a:rPr>
-              <a:t>讚美我</a:t>
-            </a:r>
-            <a:r>
-              <a:rPr lang="zh-TW" altLang="en-US" sz="5400" b="1" dirty="0">
-                <a:solidFill>
-                  <a:srgbClr val="660033"/>
-                </a:solidFill>
-                <a:latin typeface="微軟正黑體" pitchFamily="34" charset="-120"/>
-                <a:ea typeface="微軟正黑體" pitchFamily="34" charset="-120"/>
-              </a:rPr>
-              <a:t>主</a:t>
-            </a:r>
-            <a:endParaRPr lang="zh-TW" altLang="en-US" sz="5400" b="1" dirty="0">
+              <a:t>以能力和慈愛  祂統管全球</a:t>
+            </a:r>
+            <a:endParaRPr lang="en-US" altLang="zh-TW" sz="6400" b="1" dirty="0">
               <a:solidFill>
                 <a:srgbClr val="660033"/>
               </a:solidFill>
@@ -4464,7 +4778,204 @@
           </a:p>
         </p:txBody>
       </p:sp>
+      <p:sp>
+        <p:nvSpPr>
+          <p:cNvPr id="3" name="TextBox 2"/>
+          <p:cNvSpPr txBox="1"/>
+          <p:nvPr/>
+        </p:nvSpPr>
+        <p:spPr>
+          <a:xfrm>
+            <a:off x="0" y="5157193"/>
+            <a:ext cx="12192000" cy="584775"/>
+          </a:xfrm>
+          <a:prstGeom prst="rect">
+            <a:avLst/>
+          </a:prstGeom>
+          <a:noFill/>
+        </p:spPr>
+        <p:txBody>
+          <a:bodyPr wrap="square" rtlCol="0">
+            <a:spAutoFit/>
+          </a:bodyPr>
+          <a:lstStyle/>
+          <a:p>
+            <a:pPr algn="ctr"/>
+            <a:r>
+              <a:rPr lang="en-US" sz="3200" b="1" dirty="0">
+                <a:solidFill>
+                  <a:srgbClr val="660033"/>
+                </a:solidFill>
+                <a:latin typeface="Microsoft JhengHei" panose="020B0604030504040204" pitchFamily="34" charset="-120"/>
+                <a:ea typeface="Microsoft JhengHei" panose="020B0604030504040204" pitchFamily="34" charset="-120"/>
+              </a:rPr>
+              <a:t>( </a:t>
+            </a:r>
+            <a:r>
+              <a:rPr lang="zh-CN" altLang="en-US" sz="3200" b="1" dirty="0">
+                <a:solidFill>
+                  <a:srgbClr val="660033"/>
+                </a:solidFill>
+                <a:latin typeface="Microsoft JhengHei" panose="020B0604030504040204" pitchFamily="34" charset="-120"/>
+                <a:ea typeface="Microsoft JhengHei" panose="020B0604030504040204" pitchFamily="34" charset="-120"/>
+              </a:rPr>
+              <a:t>前副歌</a:t>
+            </a:r>
+            <a:r>
+              <a:rPr lang="en-US" sz="3200" b="1" dirty="0">
+                <a:solidFill>
+                  <a:srgbClr val="660033"/>
+                </a:solidFill>
+                <a:latin typeface="Microsoft JhengHei" panose="020B0604030504040204" pitchFamily="34" charset="-120"/>
+                <a:ea typeface="Microsoft JhengHei" panose="020B0604030504040204" pitchFamily="34" charset="-120"/>
+              </a:rPr>
+              <a:t> )</a:t>
+            </a:r>
+            <a:endParaRPr lang="vi-VN" sz="3200" b="1" dirty="0">
+              <a:solidFill>
+                <a:srgbClr val="660033"/>
+              </a:solidFill>
+              <a:ea typeface="Microsoft JhengHei" panose="020B0604030504040204" pitchFamily="34" charset="-120"/>
+            </a:endParaRPr>
+          </a:p>
+        </p:txBody>
+      </p:sp>
     </p:spTree>
+    <p:extLst>
+      <p:ext uri="{BB962C8B-B14F-4D97-AF65-F5344CB8AC3E}">
+        <p14:creationId xmlns:p14="http://schemas.microsoft.com/office/powerpoint/2010/main" val="179407105"/>
+      </p:ext>
+    </p:extLst>
+  </p:cSld>
+  <p:clrMapOvr>
+    <a:masterClrMapping/>
+  </p:clrMapOvr>
+</p:sld>
+</file>
+
+<file path=ppt/slides/slide9.xml><?xml version="1.0" encoding="utf-8"?>
+<p:sld xmlns:a="http://schemas.openxmlformats.org/drawingml/2006/main" xmlns:r="http://schemas.openxmlformats.org/officeDocument/2006/relationships" xmlns:p="http://schemas.openxmlformats.org/presentationml/2006/main">
+  <p:cSld>
+    <p:spTree>
+      <p:nvGrpSpPr>
+        <p:cNvPr id="1" name=""/>
+        <p:cNvGrpSpPr/>
+        <p:nvPr/>
+      </p:nvGrpSpPr>
+      <p:grpSpPr>
+        <a:xfrm>
+          <a:off x="0" y="0"/>
+          <a:ext cx="0" cy="0"/>
+          <a:chOff x="0" y="0"/>
+          <a:chExt cx="0" cy="0"/>
+        </a:xfrm>
+      </p:grpSpPr>
+      <p:sp>
+        <p:nvSpPr>
+          <p:cNvPr id="5" name="內容版面配置區 4"/>
+          <p:cNvSpPr>
+            <a:spLocks noGrp="1"/>
+          </p:cNvSpPr>
+          <p:nvPr>
+            <p:ph idx="1"/>
+          </p:nvPr>
+        </p:nvSpPr>
+        <p:spPr>
+          <a:xfrm>
+            <a:off x="0" y="2084851"/>
+            <a:ext cx="12192000" cy="2404863"/>
+          </a:xfrm>
+        </p:spPr>
+        <p:txBody>
+          <a:bodyPr anchor="ctr">
+            <a:normAutofit/>
+          </a:bodyPr>
+          <a:lstStyle/>
+          <a:p>
+            <a:pPr algn="ctr">
+              <a:buNone/>
+            </a:pPr>
+            <a:r>
+              <a:rPr lang="zh-TW" altLang="en-US" sz="6400" b="1" dirty="0">
+                <a:solidFill>
+                  <a:srgbClr val="660033"/>
+                </a:solidFill>
+                <a:latin typeface="微軟正黑體" pitchFamily="34" charset="-120"/>
+                <a:ea typeface="微軟正黑體" pitchFamily="34" charset="-120"/>
+              </a:rPr>
+              <a:t>起來歌頌讚美聖父</a:t>
+            </a:r>
+          </a:p>
+        </p:txBody>
+      </p:sp>
+      <p:sp>
+        <p:nvSpPr>
+          <p:cNvPr id="3" name="TextBox 2"/>
+          <p:cNvSpPr txBox="1"/>
+          <p:nvPr/>
+        </p:nvSpPr>
+        <p:spPr>
+          <a:xfrm>
+            <a:off x="0" y="5157193"/>
+            <a:ext cx="12192000" cy="584775"/>
+          </a:xfrm>
+          <a:prstGeom prst="rect">
+            <a:avLst/>
+          </a:prstGeom>
+          <a:noFill/>
+        </p:spPr>
+        <p:txBody>
+          <a:bodyPr wrap="square" rtlCol="0">
+            <a:spAutoFit/>
+          </a:bodyPr>
+          <a:lstStyle/>
+          <a:p>
+            <a:pPr algn="ctr"/>
+            <a:r>
+              <a:rPr lang="en-US" sz="3200" b="1" dirty="0">
+                <a:solidFill>
+                  <a:srgbClr val="660033"/>
+                </a:solidFill>
+                <a:latin typeface="Microsoft JhengHei" panose="020B0604030504040204" pitchFamily="34" charset="-120"/>
+                <a:ea typeface="Microsoft JhengHei" panose="020B0604030504040204" pitchFamily="34" charset="-120"/>
+              </a:rPr>
+              <a:t>( </a:t>
+            </a:r>
+            <a:r>
+              <a:rPr lang="zh-CN" altLang="en-US" sz="3200" b="1" dirty="0">
+                <a:solidFill>
+                  <a:srgbClr val="660033"/>
+                </a:solidFill>
+                <a:latin typeface="Microsoft JhengHei" panose="020B0604030504040204" pitchFamily="34" charset="-120"/>
+                <a:ea typeface="Microsoft JhengHei" panose="020B0604030504040204" pitchFamily="34" charset="-120"/>
+              </a:rPr>
+              <a:t>前副歌</a:t>
+            </a:r>
+            <a:r>
+              <a:rPr lang="en-US" sz="3200" b="1" dirty="0">
+                <a:solidFill>
+                  <a:srgbClr val="660033"/>
+                </a:solidFill>
+                <a:latin typeface="Microsoft JhengHei" panose="020B0604030504040204" pitchFamily="34" charset="-120"/>
+                <a:ea typeface="Microsoft JhengHei" panose="020B0604030504040204" pitchFamily="34" charset="-120"/>
+              </a:rPr>
+              <a:t> )</a:t>
+            </a:r>
+            <a:endParaRPr lang="vi-VN" sz="3200" b="1" dirty="0">
+              <a:solidFill>
+                <a:srgbClr val="660033"/>
+              </a:solidFill>
+              <a:ea typeface="Microsoft JhengHei" panose="020B0604030504040204" pitchFamily="34" charset="-120"/>
+            </a:endParaRPr>
+          </a:p>
+        </p:txBody>
+      </p:sp>
+    </p:spTree>
+    <p:extLst>
+      <p:ext uri="{BB962C8B-B14F-4D97-AF65-F5344CB8AC3E}">
+        <p14:creationId xmlns:p14="http://schemas.microsoft.com/office/powerpoint/2010/main" val="3718353867"/>
+      </p:ext>
+    </p:extLst>
   </p:cSld>
   <p:clrMapOvr>
     <a:masterClrMapping/>
